--- a/pptx/Flux.pptx
+++ b/pptx/Flux.pptx
@@ -5,7 +5,7 @@
     <p:sldMasterId id="2147483648" r:id="rId1"/>
   </p:sldMasterIdLst>
   <p:notesMasterIdLst>
-    <p:notesMasterId r:id="rId59"/>
+    <p:notesMasterId r:id="rId62"/>
   </p:notesMasterIdLst>
   <p:sldIdLst>
     <p:sldId id="256" r:id="rId2"/>
@@ -44,27 +44,30 @@
     <p:sldId id="309" r:id="rId35"/>
     <p:sldId id="310" r:id="rId36"/>
     <p:sldId id="311" r:id="rId37"/>
-    <p:sldId id="293" r:id="rId38"/>
-    <p:sldId id="301" r:id="rId39"/>
-    <p:sldId id="292" r:id="rId40"/>
-    <p:sldId id="296" r:id="rId41"/>
-    <p:sldId id="297" r:id="rId42"/>
-    <p:sldId id="298" r:id="rId43"/>
-    <p:sldId id="299" r:id="rId44"/>
-    <p:sldId id="300" r:id="rId45"/>
-    <p:sldId id="302" r:id="rId46"/>
-    <p:sldId id="312" r:id="rId47"/>
-    <p:sldId id="317" r:id="rId48"/>
-    <p:sldId id="313" r:id="rId49"/>
-    <p:sldId id="314" r:id="rId50"/>
-    <p:sldId id="315" r:id="rId51"/>
-    <p:sldId id="268" r:id="rId52"/>
-    <p:sldId id="316" r:id="rId53"/>
-    <p:sldId id="270" r:id="rId54"/>
-    <p:sldId id="265" r:id="rId55"/>
-    <p:sldId id="318" r:id="rId56"/>
-    <p:sldId id="269" r:id="rId57"/>
-    <p:sldId id="319" r:id="rId58"/>
+    <p:sldId id="320" r:id="rId38"/>
+    <p:sldId id="293" r:id="rId39"/>
+    <p:sldId id="301" r:id="rId40"/>
+    <p:sldId id="292" r:id="rId41"/>
+    <p:sldId id="296" r:id="rId42"/>
+    <p:sldId id="297" r:id="rId43"/>
+    <p:sldId id="298" r:id="rId44"/>
+    <p:sldId id="299" r:id="rId45"/>
+    <p:sldId id="300" r:id="rId46"/>
+    <p:sldId id="302" r:id="rId47"/>
+    <p:sldId id="312" r:id="rId48"/>
+    <p:sldId id="317" r:id="rId49"/>
+    <p:sldId id="313" r:id="rId50"/>
+    <p:sldId id="314" r:id="rId51"/>
+    <p:sldId id="322" r:id="rId52"/>
+    <p:sldId id="315" r:id="rId53"/>
+    <p:sldId id="268" r:id="rId54"/>
+    <p:sldId id="316" r:id="rId55"/>
+    <p:sldId id="270" r:id="rId56"/>
+    <p:sldId id="318" r:id="rId57"/>
+    <p:sldId id="321" r:id="rId58"/>
+    <p:sldId id="265" r:id="rId59"/>
+    <p:sldId id="269" r:id="rId60"/>
+    <p:sldId id="319" r:id="rId61"/>
   </p:sldIdLst>
   <p:sldSz cx="9144000" cy="6858000" type="screen4x3"/>
   <p:notesSz cx="6858000" cy="9144000"/>
@@ -248,7 +251,7 @@
           <a:p>
             <a:fld id="{51BBE956-10D9-4885-B98E-D72A47595663}" type="datetimeFigureOut">
               <a:rPr lang="ru-RU" smtClean="0"/>
-              <a:t>05.08.2015</a:t>
+              <a:t>14.08.2015</a:t>
             </a:fld>
             <a:endParaRPr lang="ru-RU"/>
           </a:p>
@@ -644,7 +647,44 @@
           <a:bodyPr/>
           <a:lstStyle/>
           <a:p>
-            <a:endParaRPr lang="ru-RU" dirty="0"/>
+            <a:pPr marL="0" marR="0" indent="0" algn="l" defTabSz="914400" rtl="0" eaLnBrk="1" fontAlgn="auto" latinLnBrk="0" hangingPunct="1">
+              <a:lnSpc>
+                <a:spcPct val="100000"/>
+              </a:lnSpc>
+              <a:spcBef>
+                <a:spcPts val="0"/>
+              </a:spcBef>
+              <a:spcAft>
+                <a:spcPts val="0"/>
+              </a:spcAft>
+              <a:buClrTx/>
+              <a:buSzTx/>
+              <a:buFontTx/>
+              <a:buNone/>
+              <a:tabLst/>
+              <a:defRPr/>
+            </a:pPr>
+            <a:r>
+              <a:rPr lang="ru-RU" dirty="0" smtClean="0"/>
+              <a:t>Такие вещи как </a:t>
+            </a:r>
+            <a:r>
+              <a:rPr lang="en-US" dirty="0" smtClean="0"/>
+              <a:t>immutable </a:t>
+            </a:r>
+            <a:r>
+              <a:rPr lang="ru-RU" dirty="0" smtClean="0"/>
+              <a:t>коллекции, чистые функции т.д. – все это отлично ложиться на </a:t>
+            </a:r>
+            <a:r>
+              <a:rPr lang="en-US" dirty="0" smtClean="0"/>
+              <a:t>React</a:t>
+            </a:r>
+            <a:r>
+              <a:rPr lang="en-US" baseline="0" dirty="0" smtClean="0"/>
+              <a:t> + Flux</a:t>
+            </a:r>
+            <a:endParaRPr lang="ru-RU" baseline="0" dirty="0" smtClean="0"/>
           </a:p>
         </p:txBody>
       </p:sp>
@@ -674,7 +714,7 @@
     </p:spTree>
     <p:extLst>
       <p:ext uri="{BB962C8B-B14F-4D97-AF65-F5344CB8AC3E}">
-        <p14:creationId xmlns:p14="http://schemas.microsoft.com/office/powerpoint/2010/main" val="1324558709"/>
+        <p14:creationId xmlns:p14="http://schemas.microsoft.com/office/powerpoint/2010/main" val="696569042"/>
       </p:ext>
     </p:extLst>
   </p:cSld>
@@ -728,10 +768,6 @@
           <a:bodyPr/>
           <a:lstStyle/>
           <a:p>
-            <a:r>
-              <a:rPr lang="ru-RU" dirty="0" smtClean="0"/>
-              <a:t>Автоматизируем работу тестера, по описанию ошибки. Описывать воспроизведение не нужно, получаем лог и вперед.</a:t>
-            </a:r>
             <a:endParaRPr lang="ru-RU" dirty="0"/>
           </a:p>
         </p:txBody>
@@ -818,80 +854,7 @@
           <a:p>
             <a:r>
               <a:rPr lang="ru-RU" dirty="0" smtClean="0"/>
-              <a:t>Поскольку</a:t>
-            </a:r>
-            <a:r>
-              <a:rPr lang="ru-RU" baseline="0" dirty="0" smtClean="0"/>
-              <a:t> все состояние системы описывается данными и располагается в </a:t>
-            </a:r>
-            <a:r>
-              <a:rPr lang="en-US" baseline="0" dirty="0" smtClean="0"/>
-              <a:t>Store</a:t>
-            </a:r>
-            <a:r>
-              <a:rPr lang="ru-RU" baseline="0" dirty="0" smtClean="0"/>
-              <a:t>, можем в любой момент сохранить все </a:t>
-            </a:r>
-            <a:r>
-              <a:rPr lang="en-US" baseline="0" dirty="0" smtClean="0"/>
-              <a:t>Store</a:t>
-            </a:r>
-            <a:r>
-              <a:rPr lang="ru-RU" baseline="0" dirty="0" smtClean="0"/>
-              <a:t>.</a:t>
-            </a:r>
-          </a:p>
-          <a:p>
-            <a:r>
-              <a:rPr lang="ru-RU" baseline="0" dirty="0" smtClean="0"/>
-              <a:t>Восстановив их, продолжить прерванный процесс.</a:t>
-            </a:r>
-          </a:p>
-          <a:p>
-            <a:endParaRPr lang="ru-RU" dirty="0" smtClean="0"/>
-          </a:p>
-          <a:p>
-            <a:pPr marL="0" marR="0" indent="0" algn="l" defTabSz="914400" rtl="0" eaLnBrk="1" fontAlgn="auto" latinLnBrk="0" hangingPunct="1">
-              <a:lnSpc>
-                <a:spcPct val="100000"/>
-              </a:lnSpc>
-              <a:spcBef>
-                <a:spcPts val="0"/>
-              </a:spcBef>
-              <a:spcAft>
-                <a:spcPts val="0"/>
-              </a:spcAft>
-              <a:buClrTx/>
-              <a:buSzTx/>
-              <a:buFontTx/>
-              <a:buNone/>
-              <a:tabLst/>
-              <a:defRPr/>
-            </a:pPr>
-            <a:r>
-              <a:rPr lang="ru-RU" dirty="0" smtClean="0"/>
-              <a:t>Если использовать «</a:t>
-            </a:r>
-            <a:r>
-              <a:rPr lang="ru-RU" dirty="0" err="1" smtClean="0"/>
-              <a:t>имутабл</a:t>
-            </a:r>
-            <a:r>
-              <a:rPr lang="ru-RU" dirty="0" smtClean="0"/>
-              <a:t>» структуры данных, то получим еще и историю изменения с возможностью отката, которая тоже восстановиться.</a:t>
-            </a:r>
-          </a:p>
-          <a:p>
-            <a:endParaRPr lang="ru-RU" dirty="0" smtClean="0"/>
-          </a:p>
-          <a:p>
-            <a:r>
-              <a:rPr lang="ru-RU" dirty="0" smtClean="0"/>
-              <a:t>Это уже совсем</a:t>
-            </a:r>
-            <a:r>
-              <a:rPr lang="ru-RU" baseline="0" dirty="0" smtClean="0"/>
-              <a:t> хорошо.</a:t>
+              <a:t>Автоматизируем работу тестера, по описанию ошибки. Описывать воспроизведение не нужно, получаем лог и вперед.</a:t>
             </a:r>
             <a:endParaRPr lang="ru-RU" dirty="0"/>
           </a:p>
@@ -979,40 +942,80 @@
           <a:p>
             <a:r>
               <a:rPr lang="ru-RU" dirty="0" smtClean="0"/>
-              <a:t>В принципе это можно сделать</a:t>
+              <a:t>Поскольку</a:t>
             </a:r>
             <a:r>
               <a:rPr lang="ru-RU" baseline="0" dirty="0" smtClean="0"/>
-              <a:t> и в простом </a:t>
+              <a:t> все состояние системы описывается данными и располагается в </a:t>
             </a:r>
             <a:r>
               <a:rPr lang="en-US" baseline="0" dirty="0" smtClean="0"/>
-              <a:t>Flux. </a:t>
+              <a:t>Store</a:t>
             </a:r>
             <a:r>
               <a:rPr lang="ru-RU" baseline="0" dirty="0" smtClean="0"/>
-              <a:t>Однако элегантнее всего это реализуется при </a:t>
+              <a:t>, можем в любой момент сохранить все </a:t>
             </a:r>
             <a:r>
               <a:rPr lang="en-US" baseline="0" dirty="0" smtClean="0"/>
-              <a:t>Immutable Store.</a:t>
-            </a:r>
-          </a:p>
-          <a:p>
-            <a:endParaRPr lang="ru-RU" baseline="0" dirty="0" smtClean="0"/>
-          </a:p>
-          <a:p>
+              <a:t>Store</a:t>
+            </a:r>
             <a:r>
               <a:rPr lang="ru-RU" baseline="0" dirty="0" smtClean="0"/>
-              <a:t>Потому что от сервера мы можем получать только изменения и мы можем легко взять предыдущую модель данный применить полученные от сервера изменения и </a:t>
-            </a:r>
-            <a:r>
-              <a:rPr lang="ru-RU" baseline="0" dirty="0" err="1" smtClean="0"/>
-              <a:t>отрисовать</a:t>
-            </a:r>
+              <a:t>.</a:t>
+            </a:r>
+          </a:p>
+          <a:p>
             <a:r>
               <a:rPr lang="ru-RU" baseline="0" dirty="0" smtClean="0"/>
-              <a:t> их снова.</a:t>
+              <a:t>Восстановив их, продолжить прерванный процесс.</a:t>
+            </a:r>
+          </a:p>
+          <a:p>
+            <a:endParaRPr lang="ru-RU" dirty="0" smtClean="0"/>
+          </a:p>
+          <a:p>
+            <a:pPr marL="0" marR="0" indent="0" algn="l" defTabSz="914400" rtl="0" eaLnBrk="1" fontAlgn="auto" latinLnBrk="0" hangingPunct="1">
+              <a:lnSpc>
+                <a:spcPct val="100000"/>
+              </a:lnSpc>
+              <a:spcBef>
+                <a:spcPts val="0"/>
+              </a:spcBef>
+              <a:spcAft>
+                <a:spcPts val="0"/>
+              </a:spcAft>
+              <a:buClrTx/>
+              <a:buSzTx/>
+              <a:buFontTx/>
+              <a:buNone/>
+              <a:tabLst/>
+              <a:defRPr/>
+            </a:pPr>
+            <a:r>
+              <a:rPr lang="ru-RU" dirty="0" smtClean="0"/>
+              <a:t>Если использовать «</a:t>
+            </a:r>
+            <a:r>
+              <a:rPr lang="ru-RU" dirty="0" err="1" smtClean="0"/>
+              <a:t>имутабл</a:t>
+            </a:r>
+            <a:r>
+              <a:rPr lang="ru-RU" dirty="0" smtClean="0"/>
+              <a:t>» структуры данных, то получим еще и историю изменения с возможностью отката, которая тоже восстановиться.</a:t>
+            </a:r>
+          </a:p>
+          <a:p>
+            <a:endParaRPr lang="ru-RU" dirty="0" smtClean="0"/>
+          </a:p>
+          <a:p>
+            <a:r>
+              <a:rPr lang="ru-RU" dirty="0" smtClean="0"/>
+              <a:t>Это уже совсем</a:t>
+            </a:r>
+            <a:r>
+              <a:rPr lang="ru-RU" baseline="0" dirty="0" smtClean="0"/>
+              <a:t> хорошо.</a:t>
             </a:r>
             <a:endParaRPr lang="ru-RU" dirty="0"/>
           </a:p>
@@ -1100,19 +1103,40 @@
           <a:p>
             <a:r>
               <a:rPr lang="ru-RU" dirty="0" smtClean="0"/>
-              <a:t>Само</a:t>
+              <a:t>В принципе это можно сделать</a:t>
             </a:r>
             <a:r>
               <a:rPr lang="ru-RU" baseline="0" dirty="0" smtClean="0"/>
-              <a:t> собой для любого разработчика, получение быстрого </a:t>
+              <a:t> и в простом </a:t>
+            </a:r>
+            <a:r>
+              <a:rPr lang="en-US" baseline="0" dirty="0" smtClean="0"/>
+              <a:t>Flux. </a:t>
+            </a:r>
+            <a:r>
+              <a:rPr lang="ru-RU" baseline="0" dirty="0" smtClean="0"/>
+              <a:t>Однако элегантнее всего это реализуется при </a:t>
+            </a:r>
+            <a:r>
+              <a:rPr lang="en-US" baseline="0" dirty="0" smtClean="0"/>
+              <a:t>Immutable Store.</a:t>
+            </a:r>
+          </a:p>
+          <a:p>
+            <a:endParaRPr lang="ru-RU" baseline="0" dirty="0" smtClean="0"/>
+          </a:p>
+          <a:p>
+            <a:r>
+              <a:rPr lang="ru-RU" baseline="0" dirty="0" smtClean="0"/>
+              <a:t>Потому что от сервера мы можем получать только изменения и мы можем легко взять предыдущую модель данный применить полученные от сервера изменения и </a:t>
             </a:r>
             <a:r>
               <a:rPr lang="ru-RU" baseline="0" dirty="0" err="1" smtClean="0"/>
-              <a:t>фидбека</a:t>
+              <a:t>отрисовать</a:t>
             </a:r>
             <a:r>
               <a:rPr lang="ru-RU" baseline="0" dirty="0" smtClean="0"/>
-              <a:t> на изменение очень сокращает цикл разработки и время получения результата.</a:t>
+              <a:t> их снова.</a:t>
             </a:r>
             <a:endParaRPr lang="ru-RU" dirty="0"/>
           </a:p>
@@ -1200,26 +1224,21 @@
           <a:p>
             <a:r>
               <a:rPr lang="ru-RU" dirty="0" smtClean="0"/>
-              <a:t>Особенность </a:t>
-            </a:r>
-            <a:r>
-              <a:rPr lang="en-US" dirty="0" smtClean="0"/>
-              <a:t>immutable </a:t>
-            </a:r>
-            <a:r>
-              <a:rPr lang="ru-RU" dirty="0" smtClean="0"/>
-              <a:t>коллекций в том, что они для оптимизации памяти,</a:t>
+              <a:t>Само</a:t>
             </a:r>
             <a:r>
               <a:rPr lang="ru-RU" baseline="0" dirty="0" smtClean="0"/>
-              <a:t> не хранят сами объекта, а только ссылки на них. Поэтому при изменении коллекции, меняются только ссылки на объекты</a:t>
-            </a:r>
-          </a:p>
-          <a:p>
+              <a:t> собой для любого разработчика, получение быстрого </a:t>
+            </a:r>
+            <a:r>
+              <a:rPr lang="ru-RU" baseline="0" dirty="0" err="1" smtClean="0"/>
+              <a:t>фидбека</a:t>
+            </a:r>
             <a:r>
               <a:rPr lang="ru-RU" baseline="0" dirty="0" smtClean="0"/>
-              <a:t>Таким образом сравнив предыдущую ссылку на объект и текущую можем узнать изменилась ли она. Само собой сравнение ссылок это очень дешево.</a:t>
-            </a:r>
+              <a:t> на изменение очень сокращает цикл разработки и время получения результата.</a:t>
+            </a:r>
+            <a:endParaRPr lang="ru-RU" dirty="0"/>
           </a:p>
         </p:txBody>
       </p:sp>
@@ -1249,7 +1268,7 @@
     </p:spTree>
     <p:extLst>
       <p:ext uri="{BB962C8B-B14F-4D97-AF65-F5344CB8AC3E}">
-        <p14:creationId xmlns:p14="http://schemas.microsoft.com/office/powerpoint/2010/main" val="1576072088"/>
+        <p14:creationId xmlns:p14="http://schemas.microsoft.com/office/powerpoint/2010/main" val="1324558709"/>
       </p:ext>
     </p:extLst>
   </p:cSld>
@@ -1303,7 +1322,28 @@
           <a:bodyPr/>
           <a:lstStyle/>
           <a:p>
-            <a:endParaRPr lang="ru-RU" baseline="0" dirty="0" smtClean="0"/>
+            <a:r>
+              <a:rPr lang="ru-RU" dirty="0" smtClean="0"/>
+              <a:t>Особенность </a:t>
+            </a:r>
+            <a:r>
+              <a:rPr lang="en-US" dirty="0" smtClean="0"/>
+              <a:t>immutable </a:t>
+            </a:r>
+            <a:r>
+              <a:rPr lang="ru-RU" dirty="0" smtClean="0"/>
+              <a:t>коллекций в том, что они для оптимизации памяти,</a:t>
+            </a:r>
+            <a:r>
+              <a:rPr lang="ru-RU" baseline="0" dirty="0" smtClean="0"/>
+              <a:t> не хранят сами объекта, а только ссылки на них. Поэтому при изменении коллекции, меняются только ссылки на объекты</a:t>
+            </a:r>
+          </a:p>
+          <a:p>
+            <a:r>
+              <a:rPr lang="ru-RU" baseline="0" dirty="0" smtClean="0"/>
+              <a:t>Таким образом сравнив предыдущую ссылку на объект и текущую можем узнать изменилась ли она. Само собой сравнение ссылок это очень дешево.</a:t>
+            </a:r>
           </a:p>
         </p:txBody>
       </p:sp>
@@ -1387,10 +1427,7 @@
           <a:bodyPr/>
           <a:lstStyle/>
           <a:p>
-            <a:r>
-              <a:rPr lang="ru-RU" baseline="0" dirty="0" smtClean="0"/>
-              <a:t>Готовое архитектурное решение для создания приложений</a:t>
-            </a:r>
+            <a:endParaRPr lang="ru-RU" baseline="0" dirty="0" smtClean="0"/>
           </a:p>
         </p:txBody>
       </p:sp>
@@ -1476,23 +1513,7 @@
           <a:p>
             <a:r>
               <a:rPr lang="ru-RU" baseline="0" dirty="0" smtClean="0"/>
-              <a:t>На этапе </a:t>
-            </a:r>
-            <a:r>
-              <a:rPr lang="ru-RU" baseline="0" dirty="0" err="1" smtClean="0"/>
-              <a:t>стартапа</a:t>
-            </a:r>
-            <a:r>
-              <a:rPr lang="ru-RU" baseline="0" dirty="0" smtClean="0"/>
-              <a:t>, архитектуру редко затачивают на </a:t>
-            </a:r>
-            <a:r>
-              <a:rPr lang="ru-RU" baseline="0" dirty="0" err="1" smtClean="0"/>
-              <a:t>тестопригодность</a:t>
-            </a:r>
-            <a:r>
-              <a:rPr lang="ru-RU" baseline="0" dirty="0" smtClean="0"/>
-              <a:t>.</a:t>
+              <a:t>Готовое архитектурное решение для создания приложений</a:t>
             </a:r>
           </a:p>
         </p:txBody>
@@ -1578,44 +1599,25 @@
           <a:lstStyle/>
           <a:p>
             <a:r>
-              <a:rPr lang="ru-RU" dirty="0" smtClean="0"/>
-              <a:t>Воспользовавшись</a:t>
-            </a:r>
-            <a:r>
               <a:rPr lang="ru-RU" baseline="0" dirty="0" smtClean="0"/>
-              <a:t> </a:t>
+              <a:t>На этапе </a:t>
             </a:r>
             <a:r>
               <a:rPr lang="ru-RU" baseline="0" dirty="0" err="1" smtClean="0"/>
-              <a:t>реактом</a:t>
+              <a:t>стартапа</a:t>
             </a:r>
             <a:r>
               <a:rPr lang="ru-RU" baseline="0" dirty="0" smtClean="0"/>
-              <a:t> – будто сел на комфортабельный самолет. Все как-то удобно, просто, быстро.</a:t>
-            </a:r>
-            <a:endParaRPr lang="ru-RU" dirty="0" smtClean="0"/>
-          </a:p>
-          <a:p>
-            <a:endParaRPr lang="ru-RU" dirty="0" smtClean="0"/>
-          </a:p>
-          <a:p>
-            <a:r>
-              <a:rPr lang="ru-RU" dirty="0" smtClean="0"/>
-              <a:t>Но</a:t>
+              <a:t>, архитектуру редко затачивают на </a:t>
+            </a:r>
+            <a:r>
+              <a:rPr lang="ru-RU" baseline="0" dirty="0" err="1" smtClean="0"/>
+              <a:t>тестопригодность</a:t>
             </a:r>
             <a:r>
               <a:rPr lang="ru-RU" baseline="0" dirty="0" smtClean="0"/>
-              <a:t> все это впечатления разработчика, а что же </a:t>
-            </a:r>
-            <a:r>
-              <a:rPr lang="ru-RU" baseline="0" dirty="0" err="1" smtClean="0"/>
-              <a:t>манагер</a:t>
-            </a:r>
-            <a:r>
-              <a:rPr lang="ru-RU" baseline="0" dirty="0" smtClean="0"/>
-              <a:t>:</a:t>
-            </a:r>
-            <a:endParaRPr lang="ru-RU" dirty="0"/>
+              <a:t>.</a:t>
+            </a:r>
           </a:p>
         </p:txBody>
       </p:sp>
@@ -1636,7 +1638,7 @@
           <a:p>
             <a:fld id="{77507E74-39CE-4D72-B0FC-491AFB1BD99C}" type="slidenum">
               <a:rPr lang="ru-RU" smtClean="0"/>
-              <a:t>52</a:t>
+              <a:t>48</a:t>
             </a:fld>
             <a:endParaRPr lang="ru-RU"/>
           </a:p>
@@ -1645,7 +1647,7 @@
     </p:spTree>
     <p:extLst>
       <p:ext uri="{BB962C8B-B14F-4D97-AF65-F5344CB8AC3E}">
-        <p14:creationId xmlns:p14="http://schemas.microsoft.com/office/powerpoint/2010/main" val="2811940823"/>
+        <p14:creationId xmlns:p14="http://schemas.microsoft.com/office/powerpoint/2010/main" val="1576072088"/>
       </p:ext>
     </p:extLst>
   </p:cSld>
@@ -1984,31 +1986,7 @@
           <a:p>
             <a:r>
               <a:rPr lang="ru-RU" dirty="0" smtClean="0"/>
-              <a:t>Эксперименты со </a:t>
-            </a:r>
-            <a:r>
-              <a:rPr lang="en-US" dirty="0" err="1" smtClean="0"/>
-              <a:t>Scala</a:t>
-            </a:r>
-            <a:r>
-              <a:rPr lang="ru-RU" dirty="0" smtClean="0"/>
-              <a:t>, потом с </a:t>
-            </a:r>
-            <a:r>
-              <a:rPr lang="en-US" dirty="0" smtClean="0"/>
-              <a:t>react</a:t>
-            </a:r>
-            <a:r>
-              <a:rPr lang="ru-RU" dirty="0" smtClean="0"/>
-              <a:t>, натолкнули на мысль, что создавать </a:t>
-            </a:r>
-            <a:r>
-              <a:rPr lang="en-US" dirty="0" smtClean="0"/>
-              <a:t>UI </a:t>
-            </a:r>
-            <a:r>
-              <a:rPr lang="ru-RU" dirty="0" smtClean="0"/>
-              <a:t>на реактивных основах может оказаться в разы проще,</a:t>
+              <a:t>Воспользовавшись</a:t>
             </a:r>
             <a:r>
               <a:rPr lang="ru-RU" baseline="0" dirty="0" smtClean="0"/>
@@ -2016,23 +1994,33 @@
             </a:r>
             <a:r>
               <a:rPr lang="ru-RU" baseline="0" dirty="0" err="1" smtClean="0"/>
-              <a:t>поддерживаемее</a:t>
+              <a:t>реактом</a:t>
             </a:r>
             <a:r>
               <a:rPr lang="ru-RU" baseline="0" dirty="0" smtClean="0"/>
-              <a:t> и тестируемо, чем на классическим </a:t>
-            </a:r>
-            <a:r>
-              <a:rPr lang="en-US" baseline="0" dirty="0" smtClean="0"/>
-              <a:t>MVC </a:t>
+              <a:t> – будто сел на комфортабельный самолет. Все как-то удобно, просто, быстро.</a:t>
+            </a:r>
+            <a:endParaRPr lang="ru-RU" dirty="0" smtClean="0"/>
+          </a:p>
+          <a:p>
+            <a:endParaRPr lang="ru-RU" dirty="0" smtClean="0"/>
+          </a:p>
+          <a:p>
+            <a:r>
+              <a:rPr lang="ru-RU" dirty="0" smtClean="0"/>
+              <a:t>Но</a:t>
             </a:r>
             <a:r>
               <a:rPr lang="ru-RU" baseline="0" dirty="0" smtClean="0"/>
-              <a:t>и </a:t>
-            </a:r>
-            <a:r>
-              <a:rPr lang="en-US" baseline="0" dirty="0" smtClean="0"/>
-              <a:t>MVP.</a:t>
+              <a:t> все это впечатления разработчика, а что же </a:t>
+            </a:r>
+            <a:r>
+              <a:rPr lang="ru-RU" baseline="0" dirty="0" err="1" smtClean="0"/>
+              <a:t>манагер</a:t>
+            </a:r>
+            <a:r>
+              <a:rPr lang="ru-RU" baseline="0" dirty="0" smtClean="0"/>
+              <a:t>:</a:t>
             </a:r>
             <a:endParaRPr lang="ru-RU" dirty="0"/>
           </a:p>
@@ -2064,7 +2052,7 @@
     </p:spTree>
     <p:extLst>
       <p:ext uri="{BB962C8B-B14F-4D97-AF65-F5344CB8AC3E}">
-        <p14:creationId xmlns:p14="http://schemas.microsoft.com/office/powerpoint/2010/main" val="3799419292"/>
+        <p14:creationId xmlns:p14="http://schemas.microsoft.com/office/powerpoint/2010/main" val="2811940823"/>
       </p:ext>
     </p:extLst>
   </p:cSld>
@@ -2142,7 +2130,7 @@
           <a:p>
             <a:fld id="{77507E74-39CE-4D72-B0FC-491AFB1BD99C}" type="slidenum">
               <a:rPr lang="ru-RU" smtClean="0"/>
-              <a:t>55</a:t>
+              <a:t>56</a:t>
             </a:fld>
             <a:endParaRPr lang="ru-RU"/>
           </a:p>
@@ -2205,6 +2193,237 @@
           <a:bodyPr/>
           <a:lstStyle/>
           <a:p>
+            <a:r>
+              <a:rPr lang="ru-RU" baseline="0" dirty="0" smtClean="0"/>
+              <a:t>Готовое архитектурное решение для создания приложений</a:t>
+            </a:r>
+          </a:p>
+        </p:txBody>
+      </p:sp>
+      <p:sp>
+        <p:nvSpPr>
+          <p:cNvPr id="4" name="Номер слайда 3"/>
+          <p:cNvSpPr>
+            <a:spLocks noGrp="1"/>
+          </p:cNvSpPr>
+          <p:nvPr>
+            <p:ph type="sldNum" sz="quarter" idx="10"/>
+          </p:nvPr>
+        </p:nvSpPr>
+        <p:spPr/>
+        <p:txBody>
+          <a:bodyPr/>
+          <a:lstStyle/>
+          <a:p>
+            <a:fld id="{77507E74-39CE-4D72-B0FC-491AFB1BD99C}" type="slidenum">
+              <a:rPr lang="ru-RU" smtClean="0"/>
+              <a:t>57</a:t>
+            </a:fld>
+            <a:endParaRPr lang="ru-RU"/>
+          </a:p>
+        </p:txBody>
+      </p:sp>
+    </p:spTree>
+    <p:extLst>
+      <p:ext uri="{BB962C8B-B14F-4D97-AF65-F5344CB8AC3E}">
+        <p14:creationId xmlns:p14="http://schemas.microsoft.com/office/powerpoint/2010/main" val="1576072088"/>
+      </p:ext>
+    </p:extLst>
+  </p:cSld>
+  <p:clrMapOvr>
+    <a:masterClrMapping/>
+  </p:clrMapOvr>
+</p:notes>
+</file>
+
+<file path=ppt/notesSlides/notesSlide23.xml><?xml version="1.0" encoding="utf-8"?>
+<p:notes xmlns:a="http://schemas.openxmlformats.org/drawingml/2006/main" xmlns:r="http://schemas.openxmlformats.org/officeDocument/2006/relationships" xmlns:p="http://schemas.openxmlformats.org/presentationml/2006/main">
+  <p:cSld>
+    <p:spTree>
+      <p:nvGrpSpPr>
+        <p:cNvPr id="1" name=""/>
+        <p:cNvGrpSpPr/>
+        <p:nvPr/>
+      </p:nvGrpSpPr>
+      <p:grpSpPr>
+        <a:xfrm>
+          <a:off x="0" y="0"/>
+          <a:ext cx="0" cy="0"/>
+          <a:chOff x="0" y="0"/>
+          <a:chExt cx="0" cy="0"/>
+        </a:xfrm>
+      </p:grpSpPr>
+      <p:sp>
+        <p:nvSpPr>
+          <p:cNvPr id="2" name="Образ слайда 1"/>
+          <p:cNvSpPr>
+            <a:spLocks noGrp="1" noRot="1" noChangeAspect="1"/>
+          </p:cNvSpPr>
+          <p:nvPr>
+            <p:ph type="sldImg"/>
+          </p:nvPr>
+        </p:nvSpPr>
+        <p:spPr/>
+      </p:sp>
+      <p:sp>
+        <p:nvSpPr>
+          <p:cNvPr id="3" name="Заметки 2"/>
+          <p:cNvSpPr>
+            <a:spLocks noGrp="1"/>
+          </p:cNvSpPr>
+          <p:nvPr>
+            <p:ph type="body" idx="1"/>
+          </p:nvPr>
+        </p:nvSpPr>
+        <p:spPr/>
+        <p:txBody>
+          <a:bodyPr/>
+          <a:lstStyle/>
+          <a:p>
+            <a:r>
+              <a:rPr lang="ru-RU" dirty="0" smtClean="0"/>
+              <a:t>Эксперименты со </a:t>
+            </a:r>
+            <a:r>
+              <a:rPr lang="en-US" dirty="0" err="1" smtClean="0"/>
+              <a:t>Scala</a:t>
+            </a:r>
+            <a:r>
+              <a:rPr lang="ru-RU" dirty="0" smtClean="0"/>
+              <a:t>, потом с </a:t>
+            </a:r>
+            <a:r>
+              <a:rPr lang="en-US" dirty="0" smtClean="0"/>
+              <a:t>react</a:t>
+            </a:r>
+            <a:r>
+              <a:rPr lang="ru-RU" dirty="0" smtClean="0"/>
+              <a:t>, натолкнули на мысль, что создавать </a:t>
+            </a:r>
+            <a:r>
+              <a:rPr lang="en-US" dirty="0" smtClean="0"/>
+              <a:t>UI </a:t>
+            </a:r>
+            <a:r>
+              <a:rPr lang="ru-RU" dirty="0" smtClean="0"/>
+              <a:t>на реактивных основах может оказаться в разы проще,</a:t>
+            </a:r>
+            <a:r>
+              <a:rPr lang="ru-RU" baseline="0" dirty="0" smtClean="0"/>
+              <a:t> </a:t>
+            </a:r>
+            <a:r>
+              <a:rPr lang="ru-RU" baseline="0" dirty="0" err="1" smtClean="0"/>
+              <a:t>поддерживаемее</a:t>
+            </a:r>
+            <a:r>
+              <a:rPr lang="ru-RU" baseline="0" dirty="0" smtClean="0"/>
+              <a:t> и </a:t>
+            </a:r>
+            <a:r>
+              <a:rPr lang="ru-RU" baseline="0" dirty="0" err="1" smtClean="0"/>
+              <a:t>тестируемее</a:t>
+            </a:r>
+            <a:r>
+              <a:rPr lang="ru-RU" baseline="0" dirty="0" smtClean="0"/>
+              <a:t>, чем на классическим </a:t>
+            </a:r>
+            <a:r>
+              <a:rPr lang="en-US" baseline="0" dirty="0" smtClean="0"/>
+              <a:t>MVC </a:t>
+            </a:r>
+            <a:r>
+              <a:rPr lang="ru-RU" baseline="0" dirty="0" smtClean="0"/>
+              <a:t>и </a:t>
+            </a:r>
+            <a:r>
+              <a:rPr lang="en-US" baseline="0" dirty="0" smtClean="0"/>
+              <a:t>MVP.</a:t>
+            </a:r>
+            <a:endParaRPr lang="ru-RU" dirty="0"/>
+          </a:p>
+        </p:txBody>
+      </p:sp>
+      <p:sp>
+        <p:nvSpPr>
+          <p:cNvPr id="4" name="Номер слайда 3"/>
+          <p:cNvSpPr>
+            <a:spLocks noGrp="1"/>
+          </p:cNvSpPr>
+          <p:nvPr>
+            <p:ph type="sldNum" sz="quarter" idx="10"/>
+          </p:nvPr>
+        </p:nvSpPr>
+        <p:spPr/>
+        <p:txBody>
+          <a:bodyPr/>
+          <a:lstStyle/>
+          <a:p>
+            <a:fld id="{77507E74-39CE-4D72-B0FC-491AFB1BD99C}" type="slidenum">
+              <a:rPr lang="ru-RU" smtClean="0"/>
+              <a:t>58</a:t>
+            </a:fld>
+            <a:endParaRPr lang="ru-RU"/>
+          </a:p>
+        </p:txBody>
+      </p:sp>
+    </p:spTree>
+    <p:extLst>
+      <p:ext uri="{BB962C8B-B14F-4D97-AF65-F5344CB8AC3E}">
+        <p14:creationId xmlns:p14="http://schemas.microsoft.com/office/powerpoint/2010/main" val="3799419292"/>
+      </p:ext>
+    </p:extLst>
+  </p:cSld>
+  <p:clrMapOvr>
+    <a:masterClrMapping/>
+  </p:clrMapOvr>
+</p:notes>
+</file>
+
+<file path=ppt/notesSlides/notesSlide24.xml><?xml version="1.0" encoding="utf-8"?>
+<p:notes xmlns:a="http://schemas.openxmlformats.org/drawingml/2006/main" xmlns:r="http://schemas.openxmlformats.org/officeDocument/2006/relationships" xmlns:p="http://schemas.openxmlformats.org/presentationml/2006/main">
+  <p:cSld>
+    <p:spTree>
+      <p:nvGrpSpPr>
+        <p:cNvPr id="1" name=""/>
+        <p:cNvGrpSpPr/>
+        <p:nvPr/>
+      </p:nvGrpSpPr>
+      <p:grpSpPr>
+        <a:xfrm>
+          <a:off x="0" y="0"/>
+          <a:ext cx="0" cy="0"/>
+          <a:chOff x="0" y="0"/>
+          <a:chExt cx="0" cy="0"/>
+        </a:xfrm>
+      </p:grpSpPr>
+      <p:sp>
+        <p:nvSpPr>
+          <p:cNvPr id="2" name="Образ слайда 1"/>
+          <p:cNvSpPr>
+            <a:spLocks noGrp="1" noRot="1" noChangeAspect="1"/>
+          </p:cNvSpPr>
+          <p:nvPr>
+            <p:ph type="sldImg"/>
+          </p:nvPr>
+        </p:nvSpPr>
+        <p:spPr/>
+      </p:sp>
+      <p:sp>
+        <p:nvSpPr>
+          <p:cNvPr id="3" name="Заметки 2"/>
+          <p:cNvSpPr>
+            <a:spLocks noGrp="1"/>
+          </p:cNvSpPr>
+          <p:nvPr>
+            <p:ph type="body" idx="1"/>
+          </p:nvPr>
+        </p:nvSpPr>
+        <p:spPr/>
+        <p:txBody>
+          <a:bodyPr/>
+          <a:lstStyle/>
+          <a:p>
             <a:pPr marL="0" marR="0" indent="0" algn="l" defTabSz="914400" rtl="0" eaLnBrk="1" fontAlgn="auto" latinLnBrk="0" hangingPunct="1">
               <a:lnSpc>
                 <a:spcPct val="100000"/>
@@ -2263,7 +2482,7 @@
           <a:p>
             <a:fld id="{77507E74-39CE-4D72-B0FC-491AFB1BD99C}" type="slidenum">
               <a:rPr lang="ru-RU" smtClean="0"/>
-              <a:t>56</a:t>
+              <a:t>59</a:t>
             </a:fld>
             <a:endParaRPr lang="ru-RU"/>
           </a:p>
@@ -2746,20 +2965,6 @@
           <a:bodyPr/>
           <a:lstStyle/>
           <a:p>
-            <a:r>
-              <a:rPr lang="ru-RU" dirty="0" smtClean="0"/>
-              <a:t>Ну паттерн понятен.</a:t>
-            </a:r>
-          </a:p>
-          <a:p>
-            <a:r>
-              <a:rPr lang="ru-RU" dirty="0" smtClean="0"/>
-              <a:t>А собственно,</a:t>
-            </a:r>
-            <a:r>
-              <a:rPr lang="ru-RU" baseline="0" dirty="0" smtClean="0"/>
-              <a:t> зачем он нам? Что дает?</a:t>
-            </a:r>
             <a:endParaRPr lang="ru-RU" dirty="0"/>
           </a:p>
         </p:txBody>
@@ -2790,7 +2995,7 @@
     </p:spTree>
     <p:extLst>
       <p:ext uri="{BB962C8B-B14F-4D97-AF65-F5344CB8AC3E}">
-        <p14:creationId xmlns:p14="http://schemas.microsoft.com/office/powerpoint/2010/main" val="1324558709"/>
+        <p14:creationId xmlns:p14="http://schemas.microsoft.com/office/powerpoint/2010/main" val="2649318095"/>
       </p:ext>
     </p:extLst>
   </p:cSld>
@@ -2844,44 +3049,21 @@
           <a:bodyPr/>
           <a:lstStyle/>
           <a:p>
-            <a:pPr marL="0" marR="0" indent="0" algn="l" defTabSz="914400" rtl="0" eaLnBrk="1" fontAlgn="auto" latinLnBrk="0" hangingPunct="1">
-              <a:lnSpc>
-                <a:spcPct val="100000"/>
-              </a:lnSpc>
-              <a:spcBef>
-                <a:spcPts val="0"/>
-              </a:spcBef>
-              <a:spcAft>
-                <a:spcPts val="0"/>
-              </a:spcAft>
-              <a:buClrTx/>
-              <a:buSzTx/>
-              <a:buFontTx/>
-              <a:buNone/>
-              <a:tabLst/>
-              <a:defRPr/>
-            </a:pPr>
             <a:r>
               <a:rPr lang="ru-RU" dirty="0" smtClean="0"/>
-              <a:t>Такие вещи как </a:t>
-            </a:r>
-            <a:r>
-              <a:rPr lang="en-US" dirty="0" smtClean="0"/>
-              <a:t>immutable </a:t>
-            </a:r>
+              <a:t>Ну паттерн понятен.</a:t>
+            </a:r>
+          </a:p>
+          <a:p>
             <a:r>
               <a:rPr lang="ru-RU" dirty="0" smtClean="0"/>
-              <a:t>коллекции, чистые функции т.д. – все это отлично ложиться на </a:t>
-            </a:r>
-            <a:r>
-              <a:rPr lang="en-US" dirty="0" smtClean="0"/>
-              <a:t>React</a:t>
-            </a:r>
-            <a:r>
-              <a:rPr lang="en-US" baseline="0" dirty="0" smtClean="0"/>
-              <a:t> + Flux</a:t>
-            </a:r>
-            <a:endParaRPr lang="ru-RU" baseline="0" dirty="0" smtClean="0"/>
+              <a:t>А собственно,</a:t>
+            </a:r>
+            <a:r>
+              <a:rPr lang="ru-RU" baseline="0" dirty="0" smtClean="0"/>
+              <a:t> зачем он нам? Что дает?</a:t>
+            </a:r>
+            <a:endParaRPr lang="ru-RU" dirty="0"/>
           </a:p>
         </p:txBody>
       </p:sp>
@@ -2911,7 +3093,7 @@
     </p:spTree>
     <p:extLst>
       <p:ext uri="{BB962C8B-B14F-4D97-AF65-F5344CB8AC3E}">
-        <p14:creationId xmlns:p14="http://schemas.microsoft.com/office/powerpoint/2010/main" val="696569042"/>
+        <p14:creationId xmlns:p14="http://schemas.microsoft.com/office/powerpoint/2010/main" val="1324558709"/>
       </p:ext>
     </p:extLst>
   </p:cSld>
@@ -3102,7 +3284,7 @@
           <a:p>
             <a:fld id="{98051255-F08C-4FD4-83E1-777494E58438}" type="datetimeFigureOut">
               <a:rPr lang="ru-RU" smtClean="0"/>
-              <a:t>05.08.2015</a:t>
+              <a:t>14.08.2015</a:t>
             </a:fld>
             <a:endParaRPr lang="ru-RU"/>
           </a:p>
@@ -3272,7 +3454,7 @@
           <a:p>
             <a:fld id="{98051255-F08C-4FD4-83E1-777494E58438}" type="datetimeFigureOut">
               <a:rPr lang="ru-RU" smtClean="0"/>
-              <a:t>05.08.2015</a:t>
+              <a:t>14.08.2015</a:t>
             </a:fld>
             <a:endParaRPr lang="ru-RU"/>
           </a:p>
@@ -3452,7 +3634,7 @@
           <a:p>
             <a:fld id="{98051255-F08C-4FD4-83E1-777494E58438}" type="datetimeFigureOut">
               <a:rPr lang="ru-RU" smtClean="0"/>
-              <a:t>05.08.2015</a:t>
+              <a:t>14.08.2015</a:t>
             </a:fld>
             <a:endParaRPr lang="ru-RU"/>
           </a:p>
@@ -3622,7 +3804,7 @@
           <a:p>
             <a:fld id="{98051255-F08C-4FD4-83E1-777494E58438}" type="datetimeFigureOut">
               <a:rPr lang="ru-RU" smtClean="0"/>
-              <a:t>05.08.2015</a:t>
+              <a:t>14.08.2015</a:t>
             </a:fld>
             <a:endParaRPr lang="ru-RU"/>
           </a:p>
@@ -3868,7 +4050,7 @@
           <a:p>
             <a:fld id="{98051255-F08C-4FD4-83E1-777494E58438}" type="datetimeFigureOut">
               <a:rPr lang="ru-RU" smtClean="0"/>
-              <a:t>05.08.2015</a:t>
+              <a:t>14.08.2015</a:t>
             </a:fld>
             <a:endParaRPr lang="ru-RU"/>
           </a:p>
@@ -4156,7 +4338,7 @@
           <a:p>
             <a:fld id="{98051255-F08C-4FD4-83E1-777494E58438}" type="datetimeFigureOut">
               <a:rPr lang="ru-RU" smtClean="0"/>
-              <a:t>05.08.2015</a:t>
+              <a:t>14.08.2015</a:t>
             </a:fld>
             <a:endParaRPr lang="ru-RU"/>
           </a:p>
@@ -4578,7 +4760,7 @@
           <a:p>
             <a:fld id="{98051255-F08C-4FD4-83E1-777494E58438}" type="datetimeFigureOut">
               <a:rPr lang="ru-RU" smtClean="0"/>
-              <a:t>05.08.2015</a:t>
+              <a:t>14.08.2015</a:t>
             </a:fld>
             <a:endParaRPr lang="ru-RU"/>
           </a:p>
@@ -4696,7 +4878,7 @@
           <a:p>
             <a:fld id="{98051255-F08C-4FD4-83E1-777494E58438}" type="datetimeFigureOut">
               <a:rPr lang="ru-RU" smtClean="0"/>
-              <a:t>05.08.2015</a:t>
+              <a:t>14.08.2015</a:t>
             </a:fld>
             <a:endParaRPr lang="ru-RU"/>
           </a:p>
@@ -4791,7 +4973,7 @@
           <a:p>
             <a:fld id="{98051255-F08C-4FD4-83E1-777494E58438}" type="datetimeFigureOut">
               <a:rPr lang="ru-RU" smtClean="0"/>
-              <a:t>05.08.2015</a:t>
+              <a:t>14.08.2015</a:t>
             </a:fld>
             <a:endParaRPr lang="ru-RU"/>
           </a:p>
@@ -5068,7 +5250,7 @@
           <a:p>
             <a:fld id="{98051255-F08C-4FD4-83E1-777494E58438}" type="datetimeFigureOut">
               <a:rPr lang="ru-RU" smtClean="0"/>
-              <a:t>05.08.2015</a:t>
+              <a:t>14.08.2015</a:t>
             </a:fld>
             <a:endParaRPr lang="ru-RU"/>
           </a:p>
@@ -5321,7 +5503,7 @@
           <a:p>
             <a:fld id="{98051255-F08C-4FD4-83E1-777494E58438}" type="datetimeFigureOut">
               <a:rPr lang="ru-RU" smtClean="0"/>
-              <a:t>05.08.2015</a:t>
+              <a:t>14.08.2015</a:t>
             </a:fld>
             <a:endParaRPr lang="ru-RU"/>
           </a:p>
@@ -5534,7 +5716,7 @@
           <a:p>
             <a:fld id="{98051255-F08C-4FD4-83E1-777494E58438}" type="datetimeFigureOut">
               <a:rPr lang="ru-RU" smtClean="0"/>
-              <a:t>05.08.2015</a:t>
+              <a:t>14.08.2015</a:t>
             </a:fld>
             <a:endParaRPr lang="ru-RU"/>
           </a:p>
@@ -5950,12 +6132,8 @@
           <a:lstStyle/>
           <a:p>
             <a:r>
-              <a:rPr lang="ru-RU" smtClean="0"/>
-              <a:t>Зачем он</a:t>
-            </a:r>
-            <a:r>
-              <a:rPr lang="ru-RU" smtClean="0"/>
-              <a:t>?</a:t>
+              <a:rPr lang="ru-RU" dirty="0" smtClean="0"/>
+              <a:t>О чем это?</a:t>
             </a:r>
             <a:endParaRPr lang="ru-RU" dirty="0"/>
           </a:p>
@@ -6000,7 +6178,7 @@
         <p:spPr>
           <a:xfrm>
             <a:off x="259780" y="25946"/>
-            <a:ext cx="8469560" cy="1323439"/>
+            <a:ext cx="8469560" cy="707886"/>
           </a:xfrm>
           <a:prstGeom prst="rect">
             <a:avLst/>
@@ -6026,14 +6204,13 @@
             </a:r>
             <a:r>
               <a:rPr lang="ru-RU" sz="4000" dirty="0"/>
-              <a:t>нам замахнуться на </a:t>
-            </a:r>
-          </a:p>
-          <a:p>
-            <a:r>
-              <a:rPr lang="ru-RU" sz="4000" dirty="0"/>
-              <a:t>Вильяма нашего Шекспира</a:t>
-            </a:r>
+              <a:t>нам замахнуться </a:t>
+            </a:r>
+            <a:r>
+              <a:rPr lang="ru-RU" sz="4000" dirty="0" smtClean="0"/>
+              <a:t>на…</a:t>
+            </a:r>
+            <a:endParaRPr lang="ru-RU" sz="4000" dirty="0"/>
           </a:p>
         </p:txBody>
       </p:sp>
@@ -6219,7 +6396,7 @@
             </a:r>
             <a:r>
               <a:rPr lang="ru-RU" sz="3600" dirty="0" smtClean="0"/>
-              <a:t>бесовские поделки.</a:t>
+              <a:t>бесовские изобретения.</a:t>
             </a:r>
             <a:endParaRPr lang="ru-RU" sz="3600" dirty="0"/>
           </a:p>
@@ -6684,7 +6861,15 @@
           <a:p>
             <a:r>
               <a:rPr lang="ru-RU" dirty="0" smtClean="0"/>
-              <a:t>Что мы узнаем о </a:t>
+              <a:t>Что мы </a:t>
+            </a:r>
+            <a:r>
+              <a:rPr lang="ru-RU" dirty="0" smtClean="0"/>
+              <a:t>знаем </a:t>
+            </a:r>
+            <a:r>
+              <a:rPr lang="ru-RU" dirty="0" smtClean="0"/>
+              <a:t>о </a:t>
             </a:r>
             <a:r>
               <a:rPr lang="en-US" dirty="0" smtClean="0"/>
@@ -6823,7 +7008,15 @@
           <a:p>
             <a:r>
               <a:rPr lang="ru-RU" dirty="0" smtClean="0"/>
-              <a:t>Что мы узнаем о </a:t>
+              <a:t>Что мы </a:t>
+            </a:r>
+            <a:r>
+              <a:rPr lang="ru-RU" dirty="0" smtClean="0"/>
+              <a:t>знаем </a:t>
+            </a:r>
+            <a:r>
+              <a:rPr lang="ru-RU" dirty="0" smtClean="0"/>
+              <a:t>о </a:t>
             </a:r>
             <a:r>
               <a:rPr lang="en-US" dirty="0" smtClean="0"/>
@@ -7009,11 +7202,19 @@
           </a:lstStyle>
           <a:p>
             <a:r>
-              <a:rPr lang="ru-RU" smtClean="0"/>
-              <a:t>Что мы узнаем о </a:t>
-            </a:r>
-            <a:r>
-              <a:rPr lang="en-US" smtClean="0"/>
+              <a:rPr lang="ru-RU" dirty="0" smtClean="0"/>
+              <a:t>Что мы </a:t>
+            </a:r>
+            <a:r>
+              <a:rPr lang="ru-RU" dirty="0" smtClean="0"/>
+              <a:t>знаем </a:t>
+            </a:r>
+            <a:r>
+              <a:rPr lang="ru-RU" dirty="0" smtClean="0"/>
+              <a:t>о </a:t>
+            </a:r>
+            <a:r>
+              <a:rPr lang="en-US" dirty="0" smtClean="0"/>
               <a:t>Flux?</a:t>
             </a:r>
             <a:endParaRPr lang="ru-RU" dirty="0"/>
@@ -7150,7 +7351,15 @@
           <a:p>
             <a:r>
               <a:rPr lang="ru-RU" dirty="0" smtClean="0"/>
-              <a:t>Что мы узнаем о </a:t>
+              <a:t>Что мы </a:t>
+            </a:r>
+            <a:r>
+              <a:rPr lang="ru-RU" dirty="0" smtClean="0"/>
+              <a:t>знаем </a:t>
+            </a:r>
+            <a:r>
+              <a:rPr lang="ru-RU" dirty="0" smtClean="0"/>
+              <a:t>о </a:t>
             </a:r>
             <a:r>
               <a:rPr lang="en-US" dirty="0" smtClean="0"/>
@@ -7511,16 +7720,32 @@
               <a:rPr lang="en-US" dirty="0" err="1" smtClean="0"/>
               <a:t>ReactJS</a:t>
             </a:r>
+            <a:r>
+              <a:rPr lang="ru-RU" dirty="0" smtClean="0"/>
+              <a:t>. </a:t>
+            </a:r>
+            <a:r>
+              <a:rPr lang="ru-RU" dirty="0"/>
+              <a:t>Зачем </a:t>
+            </a:r>
+            <a:r>
+              <a:rPr lang="ru-RU" dirty="0" smtClean="0"/>
+              <a:t>нужен </a:t>
+            </a:r>
+            <a:r>
+              <a:rPr lang="en-US" dirty="0" smtClean="0"/>
+              <a:t>Flux</a:t>
+            </a:r>
+            <a:r>
+              <a:rPr lang="ru-RU" dirty="0" smtClean="0"/>
+              <a:t>?</a:t>
+            </a:r>
             <a:endParaRPr lang="en-US" dirty="0" smtClean="0"/>
           </a:p>
           <a:p>
             <a:r>
               <a:rPr lang="en-US" dirty="0" smtClean="0"/>
-              <a:t>Flux </a:t>
-            </a:r>
-            <a:r>
-              <a:rPr lang="en-US" dirty="0" smtClean="0"/>
-              <a:t>-  </a:t>
+              <a:t>Flux -  </a:t>
             </a:r>
             <a:r>
               <a:rPr lang="ru-RU" dirty="0" smtClean="0"/>
@@ -7530,6 +7755,10 @@
               <a:rPr lang="en-US" dirty="0" smtClean="0"/>
               <a:t>MVC</a:t>
             </a:r>
+            <a:r>
+              <a:rPr lang="ru-RU" dirty="0" smtClean="0"/>
+              <a:t>. Архитектура. Плюшки</a:t>
+            </a:r>
           </a:p>
           <a:p>
             <a:r>
@@ -7558,11 +7787,7 @@
             </a:r>
             <a:r>
               <a:rPr lang="ru-RU" dirty="0" smtClean="0"/>
-              <a:t>это хорошо. Взгляд </a:t>
-            </a:r>
-            <a:r>
-              <a:rPr lang="ru-RU" dirty="0" err="1" smtClean="0"/>
-              <a:t>манагера</a:t>
+              <a:t>это хорошо.</a:t>
             </a:r>
             <a:endParaRPr lang="en-US" dirty="0" smtClean="0"/>
           </a:p>
@@ -9147,47 +9372,6 @@
           <a:chExt cx="0" cy="0"/>
         </a:xfrm>
       </p:grpSpPr>
-      <p:pic>
-        <p:nvPicPr>
-          <p:cNvPr id="1027" name="Picture 3" descr="C:\Users\nsmirnov\Documents\GitHub\flux_its_easy\pptx\src\mountain.jpg"/>
-          <p:cNvPicPr>
-            <a:picLocks noChangeAspect="1" noChangeArrowheads="1"/>
-          </p:cNvPicPr>
-          <p:nvPr/>
-        </p:nvPicPr>
-        <p:blipFill>
-          <a:blip r:embed="rId2">
-            <a:extLst>
-              <a:ext uri="{28A0092B-C50C-407E-A947-70E740481C1C}">
-                <a14:useLocalDpi xmlns:a14="http://schemas.microsoft.com/office/drawing/2010/main" val="0"/>
-              </a:ext>
-            </a:extLst>
-          </a:blip>
-          <a:srcRect/>
-          <a:stretch>
-            <a:fillRect/>
-          </a:stretch>
-        </p:blipFill>
-        <p:spPr bwMode="auto">
-          <a:xfrm>
-            <a:off x="-288032" y="1369926"/>
-            <a:ext cx="9756576" cy="5488074"/>
-          </a:xfrm>
-          <a:prstGeom prst="rect">
-            <a:avLst/>
-          </a:prstGeom>
-          <a:noFill/>
-          <a:extLst>
-            <a:ext uri="{909E8E84-426E-40DD-AFC4-6F175D3DCCD1}">
-              <a14:hiddenFill xmlns:a14="http://schemas.microsoft.com/office/drawing/2010/main">
-                <a:solidFill>
-                  <a:srgbClr val="FFFFFF"/>
-                </a:solidFill>
-              </a14:hiddenFill>
-            </a:ext>
-          </a:extLst>
-        </p:spPr>
-      </p:pic>
       <p:sp>
         <p:nvSpPr>
           <p:cNvPr id="2" name="Заголовок 1"/>
@@ -9200,49 +9384,23 @@
         </p:nvSpPr>
         <p:spPr>
           <a:xfrm>
-            <a:off x="457200" y="116632"/>
-            <a:ext cx="8229600" cy="1656184"/>
+            <a:off x="539552" y="2348880"/>
+            <a:ext cx="8229600" cy="1152128"/>
           </a:xfrm>
         </p:spPr>
         <p:txBody>
           <a:bodyPr>
-            <a:normAutofit fontScale="90000"/>
+            <a:normAutofit/>
           </a:bodyPr>
           <a:lstStyle/>
           <a:p>
             <a:r>
               <a:rPr lang="ru-RU" dirty="0" smtClean="0"/>
-              <a:t>Путь покорителя </a:t>
+              <a:t>Пять стадий принятия </a:t>
             </a:r>
             <a:r>
               <a:rPr lang="en-US" dirty="0" smtClean="0"/>
               <a:t>React</a:t>
-            </a:r>
-            <a:r>
-              <a:rPr lang="ru-RU" dirty="0" smtClean="0"/>
-              <a:t/>
-            </a:r>
-            <a:br>
-              <a:rPr lang="ru-RU" dirty="0" smtClean="0"/>
-            </a:br>
-            <a:r>
-              <a:rPr lang="ru-RU" dirty="0" smtClean="0"/>
-              <a:t>или</a:t>
-            </a:r>
-            <a:br>
-              <a:rPr lang="ru-RU" dirty="0" smtClean="0"/>
-            </a:br>
-            <a:r>
-              <a:rPr lang="ru-RU" dirty="0" smtClean="0"/>
-              <a:t>Путь покоряемого </a:t>
-            </a:r>
-            <a:r>
-              <a:rPr lang="en-US" dirty="0" smtClean="0"/>
-              <a:t>React’</a:t>
-            </a:r>
-            <a:r>
-              <a:rPr lang="ru-RU" dirty="0" smtClean="0"/>
-              <a:t>ом</a:t>
             </a:r>
             <a:endParaRPr lang="ru-RU" dirty="0"/>
           </a:p>
@@ -10195,6 +10353,182 @@
         </p:nvSpPr>
         <p:spPr>
           <a:xfrm>
+            <a:off x="539552" y="0"/>
+            <a:ext cx="8229600" cy="1143000"/>
+          </a:xfrm>
+        </p:spPr>
+        <p:txBody>
+          <a:bodyPr/>
+          <a:lstStyle/>
+          <a:p>
+            <a:r>
+              <a:rPr lang="ru-RU" dirty="0" smtClean="0"/>
+              <a:t>Развитие - </a:t>
+            </a:r>
+            <a:r>
+              <a:rPr lang="en-US" dirty="0" err="1" smtClean="0"/>
+              <a:t>Redux</a:t>
+            </a:r>
+            <a:endParaRPr lang="ru-RU" dirty="0"/>
+          </a:p>
+        </p:txBody>
+      </p:sp>
+      <p:sp>
+        <p:nvSpPr>
+          <p:cNvPr id="3" name="Объект 2"/>
+          <p:cNvSpPr>
+            <a:spLocks noGrp="1"/>
+          </p:cNvSpPr>
+          <p:nvPr>
+            <p:ph idx="1"/>
+          </p:nvPr>
+        </p:nvSpPr>
+        <p:spPr>
+          <a:xfrm>
+            <a:off x="323528" y="1268760"/>
+            <a:ext cx="8496944" cy="5328592"/>
+          </a:xfrm>
+        </p:spPr>
+        <p:txBody>
+          <a:bodyPr/>
+          <a:lstStyle/>
+          <a:p>
+            <a:pPr marL="0" indent="0">
+              <a:buNone/>
+            </a:pPr>
+            <a:r>
+              <a:rPr lang="ru-RU" dirty="0"/>
+              <a:t>С</a:t>
+            </a:r>
+            <a:r>
+              <a:rPr lang="ru-RU" dirty="0" smtClean="0"/>
+              <a:t>ильно переосмысленная реализация </a:t>
+            </a:r>
+            <a:r>
+              <a:rPr lang="en-US" dirty="0" smtClean="0"/>
+              <a:t>Flux</a:t>
+            </a:r>
+            <a:r>
+              <a:rPr lang="ru-RU" dirty="0" smtClean="0"/>
+              <a:t>. </a:t>
+            </a:r>
+          </a:p>
+          <a:p>
+            <a:pPr marL="0" indent="0">
+              <a:buNone/>
+            </a:pPr>
+            <a:r>
+              <a:rPr lang="ru-RU" dirty="0" smtClean="0"/>
+              <a:t>«Кроссплатформенная» - не зависит от </a:t>
+            </a:r>
+            <a:r>
+              <a:rPr lang="en-US" dirty="0" smtClean="0"/>
+              <a:t>react</a:t>
+            </a:r>
+          </a:p>
+          <a:p>
+            <a:endParaRPr lang="en-US" dirty="0"/>
+          </a:p>
+          <a:p>
+            <a:r>
+              <a:rPr lang="en-US" dirty="0" smtClean="0"/>
+              <a:t>Store – </a:t>
+            </a:r>
+            <a:r>
+              <a:rPr lang="ru-RU" dirty="0" smtClean="0"/>
+              <a:t>один, </a:t>
+            </a:r>
+            <a:r>
+              <a:rPr lang="ru-RU" dirty="0" err="1" smtClean="0"/>
+              <a:t>имутабельный</a:t>
+            </a:r>
+            <a:endParaRPr lang="ru-RU" dirty="0" smtClean="0"/>
+          </a:p>
+          <a:p>
+            <a:r>
+              <a:rPr lang="ru-RU" dirty="0" smtClean="0"/>
+              <a:t>Изменение в </a:t>
+            </a:r>
+            <a:r>
+              <a:rPr lang="en-US" dirty="0" smtClean="0"/>
+              <a:t>Store </a:t>
+            </a:r>
+            <a:r>
+              <a:rPr lang="ru-RU" dirty="0" smtClean="0"/>
+              <a:t>делаются через </a:t>
+            </a:r>
+            <a:r>
+              <a:rPr lang="en-US" dirty="0" smtClean="0"/>
+              <a:t>reducer</a:t>
+            </a:r>
+          </a:p>
+          <a:p>
+            <a:r>
+              <a:rPr lang="en-US" dirty="0" smtClean="0"/>
+              <a:t>Action </a:t>
+            </a:r>
+            <a:r>
+              <a:rPr lang="ru-RU" dirty="0" smtClean="0"/>
+              <a:t>-  по сути без изменений</a:t>
+            </a:r>
+          </a:p>
+          <a:p>
+            <a:r>
+              <a:rPr lang="en-US" dirty="0" smtClean="0"/>
+              <a:t>View </a:t>
+            </a:r>
+            <a:r>
+              <a:rPr lang="ru-RU" dirty="0" smtClean="0"/>
+              <a:t>может быть любым</a:t>
+            </a:r>
+          </a:p>
+          <a:p>
+            <a:endParaRPr lang="ru-RU" dirty="0"/>
+          </a:p>
+        </p:txBody>
+      </p:sp>
+    </p:spTree>
+    <p:extLst>
+      <p:ext uri="{BB962C8B-B14F-4D97-AF65-F5344CB8AC3E}">
+        <p14:creationId xmlns:p14="http://schemas.microsoft.com/office/powerpoint/2010/main" val="1844510694"/>
+      </p:ext>
+    </p:extLst>
+  </p:cSld>
+  <p:clrMapOvr>
+    <a:masterClrMapping/>
+  </p:clrMapOvr>
+</p:sld>
+</file>
+
+<file path=ppt/slides/slide38.xml><?xml version="1.0" encoding="utf-8"?>
+<p:sld xmlns:a="http://schemas.openxmlformats.org/drawingml/2006/main" xmlns:r="http://schemas.openxmlformats.org/officeDocument/2006/relationships" xmlns:p="http://schemas.openxmlformats.org/presentationml/2006/main">
+  <p:cSld>
+    <p:spTree>
+      <p:nvGrpSpPr>
+        <p:cNvPr id="1" name=""/>
+        <p:cNvGrpSpPr/>
+        <p:nvPr/>
+      </p:nvGrpSpPr>
+      <p:grpSpPr>
+        <a:xfrm>
+          <a:off x="0" y="0"/>
+          <a:ext cx="0" cy="0"/>
+          <a:chOff x="0" y="0"/>
+          <a:chExt cx="0" cy="0"/>
+        </a:xfrm>
+      </p:grpSpPr>
+      <p:sp>
+        <p:nvSpPr>
+          <p:cNvPr id="2" name="Заголовок 1"/>
+          <p:cNvSpPr>
+            <a:spLocks noGrp="1"/>
+          </p:cNvSpPr>
+          <p:nvPr>
+            <p:ph type="title"/>
+          </p:nvPr>
+        </p:nvSpPr>
+        <p:spPr>
+          <a:xfrm>
             <a:off x="395536" y="0"/>
             <a:ext cx="8229600" cy="908720"/>
           </a:xfrm>
@@ -10276,168 +10610,6 @@
 </p:sld>
 </file>
 
-<file path=ppt/slides/slide38.xml><?xml version="1.0" encoding="utf-8"?>
-<p:sld xmlns:a="http://schemas.openxmlformats.org/drawingml/2006/main" xmlns:r="http://schemas.openxmlformats.org/officeDocument/2006/relationships" xmlns:p="http://schemas.openxmlformats.org/presentationml/2006/main">
-  <p:cSld>
-    <p:spTree>
-      <p:nvGrpSpPr>
-        <p:cNvPr id="1" name=""/>
-        <p:cNvGrpSpPr/>
-        <p:nvPr/>
-      </p:nvGrpSpPr>
-      <p:grpSpPr>
-        <a:xfrm>
-          <a:off x="0" y="0"/>
-          <a:ext cx="0" cy="0"/>
-          <a:chOff x="0" y="0"/>
-          <a:chExt cx="0" cy="0"/>
-        </a:xfrm>
-      </p:grpSpPr>
-      <p:sp>
-        <p:nvSpPr>
-          <p:cNvPr id="2" name="Заголовок 1"/>
-          <p:cNvSpPr>
-            <a:spLocks noGrp="1"/>
-          </p:cNvSpPr>
-          <p:nvPr>
-            <p:ph type="title"/>
-          </p:nvPr>
-        </p:nvSpPr>
-        <p:spPr>
-          <a:xfrm>
-            <a:off x="539552" y="16808"/>
-            <a:ext cx="8229600" cy="819904"/>
-          </a:xfrm>
-        </p:spPr>
-        <p:txBody>
-          <a:bodyPr>
-            <a:normAutofit fontScale="90000"/>
-          </a:bodyPr>
-          <a:lstStyle/>
-          <a:p>
-            <a:r>
-              <a:rPr lang="ru-RU" dirty="0" smtClean="0"/>
-              <a:t>Реактивность и функциональность</a:t>
-            </a:r>
-            <a:endParaRPr lang="ru-RU" dirty="0"/>
-          </a:p>
-        </p:txBody>
-      </p:sp>
-      <p:sp>
-        <p:nvSpPr>
-          <p:cNvPr id="3" name="Объект 2"/>
-          <p:cNvSpPr>
-            <a:spLocks noGrp="1"/>
-          </p:cNvSpPr>
-          <p:nvPr>
-            <p:ph idx="1"/>
-          </p:nvPr>
-        </p:nvSpPr>
-        <p:spPr>
-          <a:xfrm>
-            <a:off x="323528" y="908720"/>
-            <a:ext cx="8496944" cy="5760640"/>
-          </a:xfrm>
-        </p:spPr>
-        <p:txBody>
-          <a:bodyPr/>
-          <a:lstStyle/>
-          <a:p>
-            <a:pPr marL="0" indent="0">
-              <a:buNone/>
-            </a:pPr>
-            <a:r>
-              <a:rPr lang="en-US" dirty="0" smtClean="0"/>
-              <a:t>React </a:t>
-            </a:r>
-            <a:r>
-              <a:rPr lang="ru-RU" dirty="0" smtClean="0"/>
-              <a:t>и </a:t>
-            </a:r>
-            <a:r>
-              <a:rPr lang="en-US" dirty="0" smtClean="0"/>
-              <a:t>Flux – </a:t>
-            </a:r>
-            <a:r>
-              <a:rPr lang="ru-RU" dirty="0" smtClean="0"/>
-              <a:t>сами сильно пропитаны функциональными и реактивными идеями, а это дает возможность развивать их в этом направлении.</a:t>
-            </a:r>
-          </a:p>
-          <a:p>
-            <a:pPr marL="0" indent="0">
-              <a:buNone/>
-            </a:pPr>
-            <a:endParaRPr lang="ru-RU" dirty="0"/>
-          </a:p>
-          <a:p>
-            <a:pPr marL="0" indent="0">
-              <a:buNone/>
-            </a:pPr>
-            <a:r>
-              <a:rPr lang="ru-RU" dirty="0" smtClean="0"/>
-              <a:t>Что сильно облегчает разработку именно </a:t>
-            </a:r>
-            <a:r>
-              <a:rPr lang="en-US" dirty="0" smtClean="0"/>
-              <a:t>UI  </a:t>
-            </a:r>
-            <a:r>
-              <a:rPr lang="ru-RU" dirty="0" smtClean="0"/>
-              <a:t>и особенно под веб.</a:t>
-            </a:r>
-          </a:p>
-          <a:p>
-            <a:pPr marL="0" indent="0">
-              <a:buNone/>
-            </a:pPr>
-            <a:endParaRPr lang="ru-RU" dirty="0" smtClean="0"/>
-          </a:p>
-          <a:p>
-            <a:pPr marL="0" indent="0">
-              <a:buNone/>
-            </a:pPr>
-            <a:r>
-              <a:rPr lang="ru-RU" dirty="0" smtClean="0"/>
-              <a:t>Такие вещи как </a:t>
-            </a:r>
-            <a:r>
-              <a:rPr lang="en-US" dirty="0" smtClean="0"/>
-              <a:t>immutable </a:t>
-            </a:r>
-            <a:r>
-              <a:rPr lang="ru-RU" dirty="0" smtClean="0"/>
-              <a:t>коллекции, чистые функции  т.д.</a:t>
-            </a:r>
-            <a:endParaRPr lang="ru-RU" dirty="0"/>
-          </a:p>
-          <a:p>
-            <a:pPr marL="0" indent="0">
-              <a:buNone/>
-            </a:pPr>
-            <a:endParaRPr lang="ru-RU" dirty="0"/>
-          </a:p>
-        </p:txBody>
-      </p:sp>
-    </p:spTree>
-    <p:extLst>
-      <p:ext uri="{BB962C8B-B14F-4D97-AF65-F5344CB8AC3E}">
-        <p14:creationId xmlns:p14="http://schemas.microsoft.com/office/powerpoint/2010/main" val="4015496558"/>
-      </p:ext>
-    </p:extLst>
-  </p:cSld>
-  <p:clrMapOvr>
-    <a:masterClrMapping/>
-  </p:clrMapOvr>
-  <p:timing>
-    <p:tnLst>
-      <p:par>
-        <p:cTn id="1" dur="indefinite" restart="never" nodeType="tmRoot"/>
-      </p:par>
-    </p:tnLst>
-  </p:timing>
-</p:sld>
-</file>
-
 <file path=ppt/slides/slide39.xml><?xml version="1.0" encoding="utf-8"?>
 <p:sld xmlns:a="http://schemas.openxmlformats.org/drawingml/2006/main" xmlns:r="http://schemas.openxmlformats.org/officeDocument/2006/relationships" xmlns:p="http://schemas.openxmlformats.org/presentationml/2006/main">
   <p:cSld>
@@ -10467,17 +10639,19 @@
         </p:nvSpPr>
         <p:spPr>
           <a:xfrm>
-            <a:off x="395536" y="0"/>
-            <a:ext cx="8229600" cy="908720"/>
+            <a:off x="539552" y="16808"/>
+            <a:ext cx="8229600" cy="819904"/>
           </a:xfrm>
         </p:spPr>
         <p:txBody>
-          <a:bodyPr/>
-          <a:lstStyle/>
-          <a:p>
-            <a:r>
-              <a:rPr lang="ru-RU" dirty="0" err="1" smtClean="0"/>
-              <a:t>Колбеки</a:t>
+          <a:bodyPr>
+            <a:normAutofit fontScale="90000"/>
+          </a:bodyPr>
+          <a:lstStyle/>
+          <a:p>
+            <a:r>
+              <a:rPr lang="ru-RU" dirty="0" smtClean="0"/>
+              <a:t>Реактивность и функциональность</a:t>
             </a:r>
             <a:endParaRPr lang="ru-RU" dirty="0"/>
           </a:p>
@@ -10495,38 +10669,32 @@
         </p:nvSpPr>
         <p:spPr>
           <a:xfrm>
-            <a:off x="539552" y="1052736"/>
-            <a:ext cx="8229600" cy="5112568"/>
+            <a:off x="323528" y="908720"/>
+            <a:ext cx="8496944" cy="5760640"/>
           </a:xfrm>
         </p:spPr>
         <p:txBody>
-          <a:bodyPr>
-            <a:normAutofit/>
-          </a:bodyPr>
+          <a:bodyPr/>
           <a:lstStyle/>
           <a:p>
             <a:pPr marL="0" indent="0">
               <a:buNone/>
             </a:pPr>
             <a:r>
+              <a:rPr lang="en-US" dirty="0" smtClean="0"/>
+              <a:t>React </a:t>
+            </a:r>
+            <a:r>
               <a:rPr lang="ru-RU" dirty="0" smtClean="0"/>
-              <a:t>Древовидная структура приложения или компонента на </a:t>
-            </a:r>
-            <a:r>
-              <a:rPr lang="en-US" dirty="0" err="1" smtClean="0"/>
-              <a:t>reactJS</a:t>
+              <a:t>и </a:t>
+            </a:r>
+            <a:r>
+              <a:rPr lang="en-US" dirty="0" smtClean="0"/>
+              <a:t>Flux – </a:t>
             </a:r>
             <a:r>
               <a:rPr lang="ru-RU" dirty="0" smtClean="0"/>
-              <a:t>, заставляет передавать множество </a:t>
-            </a:r>
-            <a:r>
-              <a:rPr lang="ru-RU" dirty="0" err="1" smtClean="0"/>
-              <a:t>колбеков</a:t>
-            </a:r>
-            <a:r>
-              <a:rPr lang="ru-RU" dirty="0" smtClean="0"/>
-              <a:t>.</a:t>
+              <a:t>сами сильно пропитаны функциональными и реактивными идеями, а это дает возможность развивать их в этом направлении.</a:t>
             </a:r>
           </a:p>
           <a:p>
@@ -10541,43 +10709,45 @@
             </a:pPr>
             <a:r>
               <a:rPr lang="ru-RU" dirty="0" smtClean="0"/>
-              <a:t>Что доставляет много неприятностей.</a:t>
+              <a:t>Что сильно облегчает разработку именно </a:t>
+            </a:r>
+            <a:r>
+              <a:rPr lang="en-US" dirty="0" smtClean="0"/>
+              <a:t>UI  </a:t>
+            </a:r>
+            <a:r>
+              <a:rPr lang="ru-RU" dirty="0" smtClean="0"/>
+              <a:t>и особенно под веб.</a:t>
             </a:r>
           </a:p>
           <a:p>
             <a:pPr marL="0" indent="0">
               <a:buNone/>
             </a:pPr>
+            <a:endParaRPr lang="ru-RU" dirty="0" smtClean="0"/>
+          </a:p>
+          <a:p>
+            <a:pPr marL="0" indent="0">
+              <a:buNone/>
+            </a:pPr>
+            <a:r>
+              <a:rPr lang="ru-RU" dirty="0" smtClean="0"/>
+              <a:t>Такие вещи как </a:t>
+            </a:r>
+            <a:r>
+              <a:rPr lang="en-US" dirty="0" smtClean="0"/>
+              <a:t>immutable </a:t>
+            </a:r>
+            <a:r>
+              <a:rPr lang="ru-RU" dirty="0" smtClean="0"/>
+              <a:t>коллекции, чистые функции  т.д.</a:t>
+            </a:r>
             <a:endParaRPr lang="ru-RU" dirty="0"/>
           </a:p>
           <a:p>
             <a:pPr marL="0" indent="0">
               <a:buNone/>
             </a:pPr>
-            <a:r>
-              <a:rPr lang="en-US" dirty="0" smtClean="0"/>
-              <a:t>Flux </a:t>
-            </a:r>
-            <a:r>
-              <a:rPr lang="ru-RU" dirty="0" smtClean="0"/>
-              <a:t>полностью избавляет от </a:t>
-            </a:r>
-            <a:r>
-              <a:rPr lang="en-US" dirty="0" smtClean="0"/>
-              <a:t>callback</a:t>
-            </a:r>
-            <a:r>
-              <a:rPr lang="ru-RU" dirty="0" smtClean="0"/>
-              <a:t>,</a:t>
-            </a:r>
-            <a:r>
-              <a:rPr lang="en-US" dirty="0" smtClean="0"/>
-              <a:t> </a:t>
-            </a:r>
-            <a:r>
-              <a:rPr lang="ru-RU" dirty="0" smtClean="0"/>
-              <a:t>создавая однонаправленное движение данных и событий.</a:t>
-            </a:r>
             <a:endParaRPr lang="ru-RU" dirty="0"/>
           </a:p>
         </p:txBody>
@@ -10585,7 +10755,7 @@
     </p:spTree>
     <p:extLst>
       <p:ext uri="{BB962C8B-B14F-4D97-AF65-F5344CB8AC3E}">
-        <p14:creationId xmlns:p14="http://schemas.microsoft.com/office/powerpoint/2010/main" val="149880674"/>
+        <p14:creationId xmlns:p14="http://schemas.microsoft.com/office/powerpoint/2010/main" val="4015496558"/>
       </p:ext>
     </p:extLst>
   </p:cSld>
@@ -10627,7 +10797,7 @@
         </p:nvSpPr>
         <p:spPr>
           <a:xfrm>
-            <a:off x="584176" y="692696"/>
+            <a:off x="584176" y="1196752"/>
             <a:ext cx="8208912" cy="5078313"/>
           </a:xfrm>
           <a:prstGeom prst="rect">
@@ -10642,7 +10812,27 @@
           <a:p>
             <a:r>
               <a:rPr lang="ru-RU" sz="4000" dirty="0" smtClean="0"/>
-              <a:t>Я ищу крутую библиотеку, что бы быстро и гибко создавать клиента под веб</a:t>
+              <a:t>Я ищу крутую библиотеку, что бы быстро и гибко создавать </a:t>
+            </a:r>
+            <a:r>
+              <a:rPr lang="ru-RU" sz="4000" dirty="0" smtClean="0"/>
+              <a:t>клиента</a:t>
+            </a:r>
+            <a:r>
+              <a:rPr lang="en-US" sz="4000" dirty="0" smtClean="0"/>
+              <a:t>/</a:t>
+            </a:r>
+            <a:r>
+              <a:rPr lang="ru-RU" sz="4000" dirty="0" smtClean="0"/>
+              <a:t>компоненты</a:t>
+            </a:r>
+            <a:r>
+              <a:rPr lang="ru-RU" sz="4000" dirty="0" smtClean="0"/>
+              <a:t> </a:t>
+            </a:r>
+            <a:r>
+              <a:rPr lang="ru-RU" sz="4000" dirty="0" smtClean="0"/>
+              <a:t>под веб</a:t>
             </a:r>
             <a:r>
               <a:rPr lang="en-US" sz="4000" dirty="0" smtClean="0"/>
@@ -10656,7 +10846,7 @@
           <a:p>
             <a:r>
               <a:rPr lang="ru-RU" sz="3600" dirty="0" smtClean="0"/>
-              <a:t>Да их тут свалка целая, но есть явно лидеры.</a:t>
+              <a:t>Да их тут свалка целая, но есть явные лидеры.</a:t>
             </a:r>
           </a:p>
           <a:p>
@@ -10684,6 +10874,36 @@
                 <a:srgbClr val="FF0000"/>
               </a:solidFill>
             </a:endParaRPr>
+          </a:p>
+        </p:txBody>
+      </p:sp>
+      <p:sp>
+        <p:nvSpPr>
+          <p:cNvPr id="3" name="Прямоугольник 2"/>
+          <p:cNvSpPr/>
+          <p:nvPr/>
+        </p:nvSpPr>
+        <p:spPr>
+          <a:xfrm>
+            <a:off x="711045" y="39336"/>
+            <a:ext cx="8208912" cy="830997"/>
+          </a:xfrm>
+          <a:prstGeom prst="rect">
+            <a:avLst/>
+          </a:prstGeom>
+        </p:spPr>
+        <p:txBody>
+          <a:bodyPr wrap="square">
+            <a:spAutoFit/>
+          </a:bodyPr>
+          <a:lstStyle/>
+          <a:p>
+            <a:pPr algn="ctr"/>
+            <a:r>
+              <a:rPr lang="ru-RU" sz="4800" dirty="0" smtClean="0"/>
+              <a:t>Отрицание</a:t>
+            </a:r>
+            <a:endParaRPr lang="en-US" sz="4800" dirty="0" smtClean="0"/>
           </a:p>
         </p:txBody>
       </p:sp>
@@ -10738,8 +10958,8 @@
           <a:lstStyle/>
           <a:p>
             <a:r>
-              <a:rPr lang="ru-RU" dirty="0" smtClean="0"/>
-              <a:t>Лог всех действий.</a:t>
+              <a:rPr lang="ru-RU" dirty="0" err="1" smtClean="0"/>
+              <a:t>Колбеки</a:t>
             </a:r>
             <a:endParaRPr lang="ru-RU" dirty="0"/>
           </a:p>
@@ -10757,8 +10977,8 @@
         </p:nvSpPr>
         <p:spPr>
           <a:xfrm>
-            <a:off x="251520" y="1052736"/>
-            <a:ext cx="8640960" cy="5256584"/>
+            <a:off x="539552" y="1052736"/>
+            <a:ext cx="8229600" cy="5112568"/>
           </a:xfrm>
         </p:spPr>
         <p:txBody>
@@ -10768,128 +10988,78 @@
           <a:lstStyle/>
           <a:p>
             <a:pPr marL="0" indent="0">
-              <a:spcBef>
-                <a:spcPts val="1200"/>
-              </a:spcBef>
               <a:buNone/>
             </a:pPr>
             <a:r>
               <a:rPr lang="ru-RU" dirty="0" smtClean="0"/>
-              <a:t>Все действия осуществляются через </a:t>
-            </a:r>
-            <a:r>
-              <a:rPr lang="en-US" dirty="0" smtClean="0"/>
-              <a:t>Action</a:t>
+              <a:t>Древовидная структура приложения или компонента на </a:t>
+            </a:r>
+            <a:r>
+              <a:rPr lang="en-US" dirty="0" err="1" smtClean="0"/>
+              <a:t>reactJS</a:t>
+            </a:r>
+            <a:r>
+              <a:rPr lang="ru-RU" dirty="0" smtClean="0"/>
+              <a:t>, заставляет передавать множество </a:t>
+            </a:r>
+            <a:r>
+              <a:rPr lang="ru-RU" dirty="0" err="1" smtClean="0"/>
+              <a:t>колбеков</a:t>
             </a:r>
             <a:r>
               <a:rPr lang="ru-RU" dirty="0" smtClean="0"/>
               <a:t>.</a:t>
             </a:r>
+          </a:p>
+          <a:p>
+            <a:pPr marL="0" indent="0">
+              <a:buNone/>
+            </a:pPr>
             <a:endParaRPr lang="ru-RU" dirty="0"/>
           </a:p>
           <a:p>
             <a:pPr marL="0" indent="0">
-              <a:spcBef>
-                <a:spcPts val="1200"/>
-              </a:spcBef>
               <a:buNone/>
             </a:pPr>
             <a:r>
+              <a:rPr lang="ru-RU" dirty="0" smtClean="0"/>
+              <a:t>Что доставляет много неприятностей.</a:t>
+            </a:r>
+          </a:p>
+          <a:p>
+            <a:pPr marL="0" indent="0">
+              <a:buNone/>
+            </a:pPr>
+            <a:endParaRPr lang="ru-RU" dirty="0"/>
+          </a:p>
+          <a:p>
+            <a:pPr marL="0" indent="0">
+              <a:buNone/>
+            </a:pPr>
+            <a:r>
               <a:rPr lang="en-US" dirty="0" smtClean="0"/>
-              <a:t>Action – </a:t>
+              <a:t>Flux </a:t>
             </a:r>
             <a:r>
               <a:rPr lang="ru-RU" dirty="0" smtClean="0"/>
-              <a:t>функция с определенными входными и выходными параметрами.</a:t>
-            </a:r>
-            <a:endParaRPr lang="ru-RU" dirty="0"/>
-          </a:p>
-          <a:p>
-            <a:pPr marL="0" indent="0">
-              <a:spcBef>
-                <a:spcPts val="1200"/>
-              </a:spcBef>
-              <a:buNone/>
-            </a:pPr>
+              <a:t>полностью избавляет от </a:t>
+            </a:r>
+            <a:r>
+              <a:rPr lang="en-US" dirty="0" smtClean="0"/>
+              <a:t>callback</a:t>
+            </a:r>
             <a:r>
               <a:rPr lang="ru-RU" dirty="0" smtClean="0"/>
-              <a:t>Можно осуществить </a:t>
-            </a:r>
-            <a:r>
-              <a:rPr lang="ru-RU" dirty="0" err="1" smtClean="0"/>
-              <a:t>логирования</a:t>
-            </a:r>
-            <a:r>
-              <a:rPr lang="ru-RU" dirty="0"/>
+              <a:t>,</a:t>
+            </a:r>
+            <a:r>
+              <a:rPr lang="en-US" dirty="0" smtClean="0"/>
               <a:t> </a:t>
             </a:r>
             <a:r>
               <a:rPr lang="ru-RU" dirty="0" smtClean="0"/>
-              <a:t>параметров.</a:t>
-            </a:r>
-            <a:endParaRPr lang="ru-RU" dirty="0"/>
-          </a:p>
-          <a:p>
-            <a:pPr marL="0" indent="0">
-              <a:spcBef>
-                <a:spcPts val="1200"/>
-              </a:spcBef>
-              <a:buNone/>
-            </a:pPr>
-            <a:r>
-              <a:rPr lang="ru-RU" dirty="0" smtClean="0"/>
-              <a:t>Легко повторить ошибку получив лог от тестера.</a:t>
-            </a:r>
-          </a:p>
-          <a:p>
-            <a:pPr marL="0" indent="0">
-              <a:spcBef>
-                <a:spcPts val="1200"/>
-              </a:spcBef>
-              <a:buNone/>
-            </a:pPr>
-            <a:r>
-              <a:rPr lang="ru-RU" dirty="0" err="1" smtClean="0"/>
-              <a:t>Фича</a:t>
-            </a:r>
-            <a:r>
-              <a:rPr lang="ru-RU" dirty="0"/>
-              <a:t> </a:t>
-            </a:r>
-            <a:r>
-              <a:rPr lang="ru-RU" dirty="0" smtClean="0"/>
-              <a:t>- воспроизведение действий пользователя, например в графическом редакторе </a:t>
-            </a:r>
-            <a:r>
-              <a:rPr lang="en-US" dirty="0" smtClean="0">
-                <a:hlinkClick r:id="rId3"/>
-              </a:rPr>
-              <a:t>https</a:t>
-            </a:r>
-            <a:r>
-              <a:rPr lang="en-US" dirty="0">
-                <a:hlinkClick r:id="rId3"/>
-              </a:rPr>
-              <a:t>://</a:t>
-            </a:r>
-            <a:r>
-              <a:rPr lang="en-US" dirty="0" smtClean="0">
-                <a:hlinkClick r:id="rId3"/>
-              </a:rPr>
-              <a:t>precursorapp.com</a:t>
-            </a:r>
-            <a:endParaRPr lang="ru-RU" dirty="0" smtClean="0"/>
-          </a:p>
-          <a:p>
-            <a:pPr marL="0" indent="0">
-              <a:buNone/>
-            </a:pPr>
-            <a:endParaRPr lang="ru-RU" dirty="0" smtClean="0"/>
-          </a:p>
-          <a:p>
-            <a:pPr marL="0" indent="0">
-              <a:buNone/>
-            </a:pPr>
+              <a:t>создавая однонаправленное движение данных и событий.</a:t>
+            </a:r>
             <a:endParaRPr lang="ru-RU" dirty="0"/>
           </a:p>
         </p:txBody>
@@ -10897,7 +11067,7 @@
     </p:spTree>
     <p:extLst>
       <p:ext uri="{BB962C8B-B14F-4D97-AF65-F5344CB8AC3E}">
-        <p14:creationId xmlns:p14="http://schemas.microsoft.com/office/powerpoint/2010/main" val="2326072241"/>
+        <p14:creationId xmlns:p14="http://schemas.microsoft.com/office/powerpoint/2010/main" val="149880674"/>
       </p:ext>
     </p:extLst>
   </p:cSld>
@@ -10953,7 +11123,7 @@
           <a:p>
             <a:r>
               <a:rPr lang="ru-RU" dirty="0" smtClean="0"/>
-              <a:t>Сохранение состояния</a:t>
+              <a:t>Лог всех действий.</a:t>
             </a:r>
             <a:endParaRPr lang="ru-RU" dirty="0"/>
           </a:p>
@@ -10982,102 +11152,116 @@
           <a:lstStyle/>
           <a:p>
             <a:pPr marL="0" indent="0">
+              <a:spcBef>
+                <a:spcPts val="1200"/>
+              </a:spcBef>
               <a:buNone/>
             </a:pPr>
             <a:r>
+              <a:rPr lang="ru-RU" dirty="0" smtClean="0"/>
+              <a:t>Все действия осуществляются через </a:t>
+            </a:r>
+            <a:r>
+              <a:rPr lang="en-US" dirty="0" smtClean="0"/>
+              <a:t>Action</a:t>
+            </a:r>
+            <a:r>
+              <a:rPr lang="ru-RU" dirty="0" smtClean="0"/>
+              <a:t>.</a:t>
+            </a:r>
+            <a:endParaRPr lang="ru-RU" dirty="0"/>
+          </a:p>
+          <a:p>
+            <a:pPr marL="0" indent="0">
+              <a:spcBef>
+                <a:spcPts val="1200"/>
+              </a:spcBef>
+              <a:buNone/>
+            </a:pPr>
+            <a:r>
+              <a:rPr lang="en-US" dirty="0" smtClean="0"/>
+              <a:t>Action – </a:t>
+            </a:r>
+            <a:r>
+              <a:rPr lang="ru-RU" dirty="0" smtClean="0"/>
+              <a:t>функция с определенными входными и выходными параметрами.</a:t>
+            </a:r>
+            <a:endParaRPr lang="ru-RU" dirty="0"/>
+          </a:p>
+          <a:p>
+            <a:pPr marL="0" indent="0">
+              <a:spcBef>
+                <a:spcPts val="1200"/>
+              </a:spcBef>
+              <a:buNone/>
+            </a:pPr>
+            <a:r>
+              <a:rPr lang="ru-RU" dirty="0" smtClean="0"/>
+              <a:t>Можно осуществить </a:t>
+            </a:r>
+            <a:r>
+              <a:rPr lang="ru-RU" dirty="0" err="1" smtClean="0"/>
+              <a:t>логирования</a:t>
+            </a:r>
+            <a:r>
               <a:rPr lang="ru-RU" dirty="0"/>
-              <a:t>В любой момент можем сохранить все </a:t>
-            </a:r>
-            <a:r>
-              <a:rPr lang="en-US" dirty="0"/>
-              <a:t>Store</a:t>
+              <a:t> </a:t>
+            </a:r>
+            <a:r>
+              <a:rPr lang="ru-RU" dirty="0" smtClean="0"/>
+              <a:t>параметров.</a:t>
+            </a:r>
+            <a:endParaRPr lang="ru-RU" dirty="0"/>
+          </a:p>
+          <a:p>
+            <a:pPr marL="0" indent="0">
+              <a:spcBef>
+                <a:spcPts val="1200"/>
+              </a:spcBef>
+              <a:buNone/>
+            </a:pPr>
+            <a:r>
+              <a:rPr lang="ru-RU" dirty="0" smtClean="0"/>
+              <a:t>Легко повторить ошибку получив лог от тестера.</a:t>
+            </a:r>
+          </a:p>
+          <a:p>
+            <a:pPr marL="0" indent="0">
+              <a:spcBef>
+                <a:spcPts val="1200"/>
+              </a:spcBef>
+              <a:buNone/>
+            </a:pPr>
+            <a:r>
+              <a:rPr lang="ru-RU" dirty="0" err="1" smtClean="0"/>
+              <a:t>Фича</a:t>
             </a:r>
             <a:r>
               <a:rPr lang="ru-RU" dirty="0"/>
-              <a:t>.</a:t>
-            </a:r>
-          </a:p>
-          <a:p>
-            <a:pPr marL="0" indent="0">
-              <a:buNone/>
-            </a:pPr>
-            <a:r>
-              <a:rPr lang="ru-RU" dirty="0"/>
-              <a:t>Восстановив их продолжить работу с системой.</a:t>
-            </a:r>
-          </a:p>
-          <a:p>
-            <a:pPr marL="0" indent="0">
-              <a:buNone/>
-            </a:pPr>
-            <a:endParaRPr lang="ru-RU" dirty="0"/>
-          </a:p>
-          <a:p>
-            <a:pPr marL="0" indent="0">
-              <a:buNone/>
-            </a:pPr>
-            <a:r>
-              <a:rPr lang="ru-RU" dirty="0"/>
-              <a:t>Если использовать </a:t>
-            </a:r>
-            <a:r>
-              <a:rPr lang="en-US" dirty="0" smtClean="0"/>
-              <a:t>immutable</a:t>
+              <a:t> </a:t>
             </a:r>
             <a:r>
               <a:rPr lang="ru-RU" dirty="0" smtClean="0"/>
-              <a:t> </a:t>
-            </a:r>
-            <a:r>
-              <a:rPr lang="ru-RU" dirty="0"/>
-              <a:t>структуры данных в </a:t>
-            </a:r>
-            <a:r>
-              <a:rPr lang="en-US" dirty="0"/>
-              <a:t>Store</a:t>
-            </a:r>
-            <a:r>
-              <a:rPr lang="ru-RU" dirty="0"/>
-              <a:t>, то получим еще и историю изменения с возможностью отката, которую тоже можно сохранить/восстановиться.</a:t>
-            </a:r>
-          </a:p>
-          <a:p>
-            <a:pPr marL="0" indent="0">
-              <a:buNone/>
-            </a:pPr>
-            <a:endParaRPr lang="ru-RU" dirty="0"/>
-          </a:p>
-          <a:p>
-            <a:pPr marL="0" indent="0">
-              <a:buNone/>
-            </a:pPr>
-            <a:r>
-              <a:rPr lang="ru-RU" dirty="0"/>
-              <a:t>Векторный редактор </a:t>
-            </a:r>
-            <a:r>
-              <a:rPr lang="en-US" dirty="0">
-                <a:solidFill>
-                  <a:schemeClr val="bg1">
-                    <a:lumMod val="50000"/>
-                  </a:schemeClr>
-                </a:solidFill>
+              <a:t>- воспроизведение действий пользователя, например в графическом редакторе </a:t>
+            </a:r>
+            <a:r>
+              <a:rPr lang="en-US" dirty="0" smtClean="0">
                 <a:hlinkClick r:id="rId3"/>
               </a:rPr>
-              <a:t>http://tonsky.me/vec/</a:t>
-            </a:r>
-            <a:endParaRPr lang="ru-RU" dirty="0">
-              <a:solidFill>
-                <a:schemeClr val="bg1">
-                  <a:lumMod val="50000"/>
-                </a:schemeClr>
-              </a:solidFill>
-            </a:endParaRPr>
-          </a:p>
-          <a:p>
-            <a:pPr marL="0" indent="0">
-              <a:buNone/>
-            </a:pPr>
+              <a:t>https</a:t>
+            </a:r>
+            <a:r>
+              <a:rPr lang="en-US" dirty="0">
+                <a:hlinkClick r:id="rId3"/>
+              </a:rPr>
+              <a:t>://</a:t>
+            </a:r>
+            <a:r>
+              <a:rPr lang="en-US" dirty="0" smtClean="0">
+                <a:hlinkClick r:id="rId3"/>
+              </a:rPr>
+              <a:t>precursorapp.com</a:t>
+            </a:r>
             <a:endParaRPr lang="ru-RU" dirty="0" smtClean="0"/>
           </a:p>
           <a:p>
@@ -11097,7 +11281,7 @@
     </p:spTree>
     <p:extLst>
       <p:ext uri="{BB962C8B-B14F-4D97-AF65-F5344CB8AC3E}">
-        <p14:creationId xmlns:p14="http://schemas.microsoft.com/office/powerpoint/2010/main" val="1722780527"/>
+        <p14:creationId xmlns:p14="http://schemas.microsoft.com/office/powerpoint/2010/main" val="2326072241"/>
       </p:ext>
     </p:extLst>
   </p:cSld>
@@ -11143,7 +11327,7 @@
         </p:nvSpPr>
         <p:spPr>
           <a:xfrm>
-            <a:off x="467544" y="0"/>
+            <a:off x="395536" y="0"/>
             <a:ext cx="8229600" cy="908720"/>
           </a:xfrm>
         </p:spPr>
@@ -11153,7 +11337,7 @@
           <a:p>
             <a:r>
               <a:rPr lang="ru-RU" dirty="0" smtClean="0"/>
-              <a:t>Оптимистичный рендеринг</a:t>
+              <a:t>Сохранение состояния</a:t>
             </a:r>
             <a:endParaRPr lang="ru-RU" dirty="0"/>
           </a:p>
@@ -11171,8 +11355,8 @@
         </p:nvSpPr>
         <p:spPr>
           <a:xfrm>
-            <a:off x="251520" y="1268760"/>
-            <a:ext cx="8640960" cy="4536504"/>
+            <a:off x="251520" y="1052736"/>
+            <a:ext cx="8640960" cy="5256584"/>
           </a:xfrm>
         </p:spPr>
         <p:txBody>
@@ -11185,16 +11369,25 @@
               <a:buNone/>
             </a:pPr>
             <a:r>
-              <a:rPr lang="ru-RU" dirty="0" smtClean="0"/>
-              <a:t>Превью </a:t>
-            </a:r>
-            <a:r>
               <a:rPr lang="ru-RU" dirty="0"/>
-              <a:t>– спекулятивный </a:t>
-            </a:r>
-            <a:r>
-              <a:rPr lang="ru-RU" dirty="0" smtClean="0"/>
-              <a:t>рендеринг</a:t>
+              <a:t>В любой момент можем сохранить все </a:t>
+            </a:r>
+            <a:r>
+              <a:rPr lang="en-US" dirty="0"/>
+              <a:t>Store</a:t>
+            </a:r>
+            <a:r>
+              <a:rPr lang="ru-RU" dirty="0"/>
+              <a:t>.</a:t>
+            </a:r>
+          </a:p>
+          <a:p>
+            <a:pPr marL="0" indent="0">
+              <a:buNone/>
+            </a:pPr>
+            <a:r>
+              <a:rPr lang="ru-RU" dirty="0"/>
+              <a:t>Восстановив их продолжить работу с системой.</a:t>
             </a:r>
           </a:p>
           <a:p>
@@ -11208,8 +11401,28 @@
               <a:buNone/>
             </a:pPr>
             <a:r>
+              <a:rPr lang="ru-RU" dirty="0"/>
+              <a:t>Если использовать </a:t>
+            </a:r>
+            <a:r>
+              <a:rPr lang="en-US" dirty="0" smtClean="0"/>
+              <a:t>immutable</a:t>
+            </a:r>
+            <a:r>
               <a:rPr lang="ru-RU" dirty="0" smtClean="0"/>
-              <a:t>Пока сервер обрабатывает запрос, можем поменять модель данных. Перерисовав интерфейс.</a:t>
+              <a:t> </a:t>
+            </a:r>
+            <a:r>
+              <a:rPr lang="ru-RU" dirty="0"/>
+              <a:t>структуры данных в </a:t>
+            </a:r>
+            <a:r>
+              <a:rPr lang="en-US" dirty="0"/>
+              <a:t>Store</a:t>
+            </a:r>
+            <a:r>
+              <a:rPr lang="ru-RU" dirty="0"/>
+              <a:t>, то получим еще и историю изменения с возможностью отката, которую тоже можно сохранить/восстановиться.</a:t>
             </a:r>
           </a:p>
           <a:p>
@@ -11223,17 +11436,44 @@
               <a:buNone/>
             </a:pPr>
             <a:r>
-              <a:rPr lang="ru-RU" dirty="0" smtClean="0"/>
-              <a:t>После получения ответа от сервера, поменять данные в </a:t>
-            </a:r>
-            <a:r>
-              <a:rPr lang="en-US" dirty="0" smtClean="0"/>
-              <a:t>Store </a:t>
-            </a:r>
-            <a:r>
-              <a:rPr lang="ru-RU" dirty="0" smtClean="0"/>
-              <a:t>и перерисовать снова.</a:t>
-            </a:r>
+              <a:rPr lang="ru-RU" dirty="0"/>
+              <a:t>Векторный редактор </a:t>
+            </a:r>
+            <a:r>
+              <a:rPr lang="en-US" dirty="0">
+                <a:solidFill>
+                  <a:schemeClr val="bg1">
+                    <a:lumMod val="50000"/>
+                  </a:schemeClr>
+                </a:solidFill>
+                <a:hlinkClick r:id="rId3"/>
+              </a:rPr>
+              <a:t>http://tonsky.me/vec/</a:t>
+            </a:r>
+            <a:endParaRPr lang="ru-RU" dirty="0">
+              <a:solidFill>
+                <a:schemeClr val="bg1">
+                  <a:lumMod val="50000"/>
+                </a:schemeClr>
+              </a:solidFill>
+            </a:endParaRPr>
+          </a:p>
+          <a:p>
+            <a:pPr marL="0" indent="0">
+              <a:buNone/>
+            </a:pPr>
+            <a:endParaRPr lang="ru-RU" dirty="0" smtClean="0"/>
+          </a:p>
+          <a:p>
+            <a:pPr marL="0" indent="0">
+              <a:buNone/>
+            </a:pPr>
+            <a:endParaRPr lang="ru-RU" dirty="0" smtClean="0"/>
+          </a:p>
+          <a:p>
+            <a:pPr marL="0" indent="0">
+              <a:buNone/>
+            </a:pPr>
             <a:endParaRPr lang="ru-RU" dirty="0"/>
           </a:p>
         </p:txBody>
@@ -11241,7 +11481,7 @@
     </p:spTree>
     <p:extLst>
       <p:ext uri="{BB962C8B-B14F-4D97-AF65-F5344CB8AC3E}">
-        <p14:creationId xmlns:p14="http://schemas.microsoft.com/office/powerpoint/2010/main" val="1865970080"/>
+        <p14:creationId xmlns:p14="http://schemas.microsoft.com/office/powerpoint/2010/main" val="1722780527"/>
       </p:ext>
     </p:extLst>
   </p:cSld>
@@ -11297,7 +11537,7 @@
           <a:p>
             <a:r>
               <a:rPr lang="ru-RU" dirty="0" smtClean="0"/>
-              <a:t>Обновление на горячую</a:t>
+              <a:t>Оптимистичный рендеринг</a:t>
             </a:r>
             <a:endParaRPr lang="ru-RU" dirty="0"/>
           </a:p>
@@ -11321,7 +11561,7 @@
         </p:spPr>
         <p:txBody>
           <a:bodyPr>
-            <a:normAutofit fontScale="92500" lnSpcReduction="10000"/>
+            <a:normAutofit/>
           </a:bodyPr>
           <a:lstStyle/>
           <a:p>
@@ -11329,40 +11569,16 @@
               <a:buNone/>
             </a:pPr>
             <a:r>
-              <a:rPr lang="en-US" dirty="0" smtClean="0"/>
-              <a:t>Action</a:t>
-            </a:r>
-            <a:r>
               <a:rPr lang="ru-RU" dirty="0" smtClean="0"/>
-              <a:t> </a:t>
+              <a:t>Превью </a:t>
             </a:r>
             <a:r>
               <a:rPr lang="ru-RU" dirty="0"/>
-              <a:t>– </a:t>
-            </a:r>
-            <a:r>
-              <a:rPr lang="en-US" dirty="0" smtClean="0"/>
-              <a:t>“</a:t>
+              <a:t>– спекулятивный </a:t>
             </a:r>
             <a:r>
               <a:rPr lang="ru-RU" dirty="0" smtClean="0"/>
-              <a:t>чистые</a:t>
-            </a:r>
-            <a:r>
-              <a:rPr lang="en-US" dirty="0" smtClean="0"/>
-              <a:t>”</a:t>
-            </a:r>
-            <a:r>
-              <a:rPr lang="ru-RU" dirty="0" smtClean="0"/>
-              <a:t> </a:t>
-            </a:r>
-            <a:r>
-              <a:rPr lang="ru-RU" dirty="0"/>
-              <a:t>функции</a:t>
-            </a:r>
-            <a:r>
-              <a:rPr lang="ru-RU" dirty="0" smtClean="0"/>
-              <a:t>, не зависят от окружения.</a:t>
+              <a:t>рендеринг</a:t>
             </a:r>
           </a:p>
           <a:p>
@@ -11376,39 +11592,8 @@
               <a:buNone/>
             </a:pPr>
             <a:r>
-              <a:rPr lang="en-US" dirty="0" smtClean="0"/>
-              <a:t>View – </a:t>
-            </a:r>
-            <a:r>
               <a:rPr lang="ru-RU" dirty="0" smtClean="0"/>
-              <a:t>чистые компоненты не зависят от кружения.</a:t>
-            </a:r>
-          </a:p>
-          <a:p>
-            <a:pPr marL="0" indent="0">
-              <a:buNone/>
-            </a:pPr>
-            <a:endParaRPr lang="ru-RU" dirty="0" smtClean="0"/>
-          </a:p>
-          <a:p>
-            <a:pPr marL="0" indent="0">
-              <a:buNone/>
-            </a:pPr>
-            <a:r>
-              <a:rPr lang="en-US" dirty="0" smtClean="0"/>
-              <a:t>Store – </a:t>
-            </a:r>
-            <a:r>
-              <a:rPr lang="ru-RU" dirty="0" smtClean="0"/>
-              <a:t>легко </a:t>
-            </a:r>
-            <a:r>
-              <a:rPr lang="ru-RU" dirty="0" err="1" smtClean="0"/>
-              <a:t>сериализуем</a:t>
-            </a:r>
-            <a:r>
-              <a:rPr lang="ru-RU" dirty="0" smtClean="0"/>
-              <a:t> все состояние системы.</a:t>
+              <a:t>Пока сервер обрабатывает запрос, можем поменять модель данных. Перерисовав интерфейс.</a:t>
             </a:r>
           </a:p>
           <a:p>
@@ -11423,7 +11608,15 @@
             </a:pPr>
             <a:r>
               <a:rPr lang="ru-RU" dirty="0" smtClean="0"/>
-              <a:t>Поэтому бизнес логику и логику визуализации легко обновлять на горячую.</a:t>
+              <a:t>После получения ответа от сервера, поменять данные в </a:t>
+            </a:r>
+            <a:r>
+              <a:rPr lang="en-US" dirty="0" smtClean="0"/>
+              <a:t>Store </a:t>
+            </a:r>
+            <a:r>
+              <a:rPr lang="ru-RU" dirty="0" smtClean="0"/>
+              <a:t>и перерисовать снова.</a:t>
             </a:r>
             <a:endParaRPr lang="ru-RU" dirty="0"/>
           </a:p>
@@ -11432,7 +11625,7 @@
     </p:spTree>
     <p:extLst>
       <p:ext uri="{BB962C8B-B14F-4D97-AF65-F5344CB8AC3E}">
-        <p14:creationId xmlns:p14="http://schemas.microsoft.com/office/powerpoint/2010/main" val="209056564"/>
+        <p14:creationId xmlns:p14="http://schemas.microsoft.com/office/powerpoint/2010/main" val="1865970080"/>
       </p:ext>
     </p:extLst>
   </p:cSld>
@@ -11476,18 +11669,19 @@
             <p:ph type="title"/>
           </p:nvPr>
         </p:nvSpPr>
-        <p:spPr/>
+        <p:spPr>
+          <a:xfrm>
+            <a:off x="467544" y="0"/>
+            <a:ext cx="8229600" cy="908720"/>
+          </a:xfrm>
+        </p:spPr>
         <p:txBody>
           <a:bodyPr/>
           <a:lstStyle/>
           <a:p>
             <a:r>
               <a:rPr lang="ru-RU" dirty="0" smtClean="0"/>
-              <a:t>Оптимизация </a:t>
-            </a:r>
-            <a:r>
-              <a:rPr lang="ru-RU" dirty="0" err="1" smtClean="0"/>
-              <a:t>отрисовки</a:t>
+              <a:t>Обновление на горячую</a:t>
             </a:r>
             <a:endParaRPr lang="ru-RU" dirty="0"/>
           </a:p>
@@ -11503,33 +11697,56 @@
             <p:ph idx="1"/>
           </p:nvPr>
         </p:nvSpPr>
-        <p:spPr/>
-        <p:txBody>
-          <a:bodyPr/>
+        <p:spPr>
+          <a:xfrm>
+            <a:off x="251520" y="1268760"/>
+            <a:ext cx="8640960" cy="4536504"/>
+          </a:xfrm>
+        </p:spPr>
+        <p:txBody>
+          <a:bodyPr>
+            <a:normAutofit fontScale="92500" lnSpcReduction="20000"/>
+          </a:bodyPr>
           <a:lstStyle/>
           <a:p>
             <a:pPr marL="0" indent="0">
               <a:buNone/>
             </a:pPr>
             <a:r>
+              <a:rPr lang="en-US" dirty="0" smtClean="0"/>
+              <a:t>Action</a:t>
+            </a:r>
+            <a:r>
               <a:rPr lang="ru-RU" dirty="0" smtClean="0"/>
-              <a:t>Если в </a:t>
+              <a:t> </a:t>
+            </a:r>
+            <a:r>
+              <a:rPr lang="ru-RU" dirty="0"/>
+              <a:t>– </a:t>
             </a:r>
             <a:r>
               <a:rPr lang="en-US" dirty="0" smtClean="0"/>
-              <a:t>Store </a:t>
+              <a:t>“</a:t>
             </a:r>
             <a:r>
               <a:rPr lang="ru-RU" dirty="0" smtClean="0"/>
-              <a:t>использовать </a:t>
+              <a:t>чистые</a:t>
             </a:r>
             <a:r>
               <a:rPr lang="en-US" dirty="0" smtClean="0"/>
-              <a:t>immutable </a:t>
+              <a:t>”</a:t>
             </a:r>
             <a:r>
               <a:rPr lang="ru-RU" dirty="0" smtClean="0"/>
-              <a:t>коллекции, то «бесплатно» получаем ленивый рендеринг.</a:t>
+              <a:t> </a:t>
+            </a:r>
+            <a:r>
+              <a:rPr lang="ru-RU" dirty="0"/>
+              <a:t>функции</a:t>
+            </a:r>
+            <a:r>
+              <a:rPr lang="ru-RU" dirty="0" smtClean="0"/>
+              <a:t>, не зависят от окружения.</a:t>
             </a:r>
           </a:p>
           <a:p>
@@ -11543,16 +11760,54 @@
               <a:buNone/>
             </a:pPr>
             <a:r>
+              <a:rPr lang="en-US" dirty="0" smtClean="0"/>
+              <a:t>View – </a:t>
+            </a:r>
+            <a:r>
               <a:rPr lang="ru-RU" dirty="0" smtClean="0"/>
-              <a:t>Отказаться от </a:t>
+              <a:t>чистые компоненты не зависят от кружения.</a:t>
+            </a:r>
+          </a:p>
+          <a:p>
+            <a:pPr marL="0" indent="0">
+              <a:buNone/>
+            </a:pPr>
+            <a:endParaRPr lang="ru-RU" dirty="0" smtClean="0"/>
+          </a:p>
+          <a:p>
+            <a:pPr marL="0" indent="0">
+              <a:buNone/>
+            </a:pPr>
+            <a:r>
+              <a:rPr lang="en-US" dirty="0" smtClean="0"/>
+              <a:t>Store – </a:t>
+            </a:r>
+            <a:r>
+              <a:rPr lang="ru-RU" dirty="0" smtClean="0"/>
+              <a:t>можем </a:t>
             </a:r>
             <a:r>
               <a:rPr lang="ru-RU" dirty="0" err="1" smtClean="0"/>
-              <a:t>отрисовки</a:t>
+              <a:t>сериализовать</a:t>
             </a:r>
             <a:r>
               <a:rPr lang="ru-RU" dirty="0" smtClean="0"/>
-              <a:t> дерева сравнив данные по ссылке.</a:t>
+              <a:t> все состояние системы.</a:t>
+            </a:r>
+          </a:p>
+          <a:p>
+            <a:pPr marL="0" indent="0">
+              <a:buNone/>
+            </a:pPr>
+            <a:endParaRPr lang="ru-RU" dirty="0"/>
+          </a:p>
+          <a:p>
+            <a:pPr marL="0" indent="0">
+              <a:buNone/>
+            </a:pPr>
+            <a:r>
+              <a:rPr lang="ru-RU" dirty="0" smtClean="0"/>
+              <a:t>Поэтому бизнес логику и логику визуализации легко обновлять на горячую.</a:t>
             </a:r>
             <a:endParaRPr lang="ru-RU" dirty="0"/>
           </a:p>
@@ -11561,7 +11816,7 @@
     </p:spTree>
     <p:extLst>
       <p:ext uri="{BB962C8B-B14F-4D97-AF65-F5344CB8AC3E}">
-        <p14:creationId xmlns:p14="http://schemas.microsoft.com/office/powerpoint/2010/main" val="3912906321"/>
+        <p14:creationId xmlns:p14="http://schemas.microsoft.com/office/powerpoint/2010/main" val="209056564"/>
       </p:ext>
     </p:extLst>
   </p:cSld>
@@ -11605,20 +11860,20 @@
             <p:ph type="title"/>
           </p:nvPr>
         </p:nvSpPr>
-        <p:spPr>
-          <a:xfrm>
-            <a:off x="467544" y="0"/>
-            <a:ext cx="8229600" cy="908720"/>
-          </a:xfrm>
-        </p:spPr>
+        <p:spPr/>
         <p:txBody>
           <a:bodyPr/>
           <a:lstStyle/>
           <a:p>
             <a:r>
-              <a:rPr lang="ru-RU" dirty="0"/>
-              <a:t>Вменяемый ОО синтаксис</a:t>
-            </a:r>
+              <a:rPr lang="ru-RU" dirty="0" smtClean="0"/>
+              <a:t>Оптимизация </a:t>
+            </a:r>
+            <a:r>
+              <a:rPr lang="ru-RU" dirty="0" err="1" smtClean="0"/>
+              <a:t>отрисовки</a:t>
+            </a:r>
+            <a:endParaRPr lang="ru-RU" dirty="0"/>
           </a:p>
         </p:txBody>
       </p:sp>
@@ -11632,16 +11887,9 @@
             <p:ph idx="1"/>
           </p:nvPr>
         </p:nvSpPr>
-        <p:spPr>
-          <a:xfrm>
-            <a:off x="457200" y="908720"/>
-            <a:ext cx="8229600" cy="5616624"/>
-          </a:xfrm>
-        </p:spPr>
-        <p:txBody>
-          <a:bodyPr>
-            <a:normAutofit fontScale="92500" lnSpcReduction="20000"/>
-          </a:bodyPr>
+        <p:spPr/>
+        <p:txBody>
+          <a:bodyPr/>
           <a:lstStyle/>
           <a:p>
             <a:pPr marL="0" indent="0">
@@ -11649,27 +11897,23 @@
             </a:pPr>
             <a:r>
               <a:rPr lang="ru-RU" dirty="0" smtClean="0"/>
-              <a:t>Не смотря на свою функциональную природу </a:t>
-            </a:r>
-            <a:r>
-              <a:rPr lang="en-US" dirty="0" err="1" smtClean="0"/>
-              <a:t>reactJS</a:t>
+              <a:t>Если в </a:t>
             </a:r>
             <a:r>
               <a:rPr lang="en-US" dirty="0" smtClean="0"/>
-              <a:t> </a:t>
+              <a:t>Store </a:t>
             </a:r>
             <a:r>
               <a:rPr lang="ru-RU" dirty="0" smtClean="0"/>
-              <a:t>и </a:t>
+              <a:t>использовать </a:t>
             </a:r>
             <a:r>
               <a:rPr lang="en-US" dirty="0" smtClean="0"/>
-              <a:t>Flux </a:t>
+              <a:t>immutable </a:t>
             </a:r>
             <a:r>
               <a:rPr lang="ru-RU" dirty="0" smtClean="0"/>
-              <a:t>имеют очень даже объектное представление.</a:t>
+              <a:t>коллекции, то «бесплатно» получаем ленивый рендеринг.</a:t>
             </a:r>
           </a:p>
           <a:p>
@@ -11684,54 +11928,15 @@
             </a:pPr>
             <a:r>
               <a:rPr lang="ru-RU" dirty="0" smtClean="0"/>
-              <a:t>Что упрощает обучение сотрудников.</a:t>
-            </a:r>
-          </a:p>
-          <a:p>
-            <a:pPr marL="0" indent="0">
-              <a:buNone/>
-            </a:pPr>
-            <a:endParaRPr lang="en-US" dirty="0" smtClean="0"/>
-          </a:p>
-          <a:p>
-            <a:pPr marL="0" indent="0">
-              <a:buNone/>
-            </a:pPr>
+              <a:t>Отказаться от </a:t>
+            </a:r>
+            <a:r>
+              <a:rPr lang="ru-RU" dirty="0" err="1" smtClean="0"/>
+              <a:t>отрисовки</a:t>
+            </a:r>
             <a:r>
               <a:rPr lang="ru-RU" dirty="0" smtClean="0"/>
-              <a:t>Используются </a:t>
-            </a:r>
-            <a:r>
-              <a:rPr lang="ru-RU" dirty="0"/>
-              <a:t>только </a:t>
-            </a:r>
-            <a:r>
-              <a:rPr lang="ru-RU" dirty="0" smtClean="0"/>
-              <a:t>функциональные принципы, которые удачно скрываются от </a:t>
-            </a:r>
-            <a:r>
-              <a:rPr lang="en-US" dirty="0" smtClean="0"/>
-              <a:t>junior </a:t>
-            </a:r>
-            <a:r>
-              <a:rPr lang="ru-RU" dirty="0" smtClean="0"/>
-              <a:t>разработчиков</a:t>
-            </a:r>
-            <a:endParaRPr lang="en-US" dirty="0" smtClean="0"/>
-          </a:p>
-          <a:p>
-            <a:pPr marL="0" indent="0">
-              <a:buNone/>
-            </a:pPr>
-            <a:endParaRPr lang="ru-RU" dirty="0"/>
-          </a:p>
-          <a:p>
-            <a:pPr marL="0" indent="0">
-              <a:buNone/>
-            </a:pPr>
-            <a:r>
-              <a:rPr lang="ru-RU" dirty="0" smtClean="0"/>
-              <a:t>Все-таки функциональные языки в промышленной разработке как-то не очень пошли.</a:t>
+              <a:t> дерева сравнив данные по ссылке.</a:t>
             </a:r>
             <a:endParaRPr lang="ru-RU" dirty="0"/>
           </a:p>
@@ -11740,7 +11945,7 @@
     </p:spTree>
     <p:extLst>
       <p:ext uri="{BB962C8B-B14F-4D97-AF65-F5344CB8AC3E}">
-        <p14:creationId xmlns:p14="http://schemas.microsoft.com/office/powerpoint/2010/main" val="2392644376"/>
+        <p14:creationId xmlns:p14="http://schemas.microsoft.com/office/powerpoint/2010/main" val="3912906321"/>
       </p:ext>
     </p:extLst>
   </p:cSld>
@@ -11791,16 +11996,13 @@
           </a:xfrm>
         </p:spPr>
         <p:txBody>
-          <a:bodyPr>
-            <a:normAutofit/>
-          </a:bodyPr>
-          <a:lstStyle/>
-          <a:p>
-            <a:r>
-              <a:rPr lang="ru-RU" dirty="0" smtClean="0"/>
-              <a:t>Готовое архитектурное решение</a:t>
-            </a:r>
-            <a:endParaRPr lang="ru-RU" dirty="0"/>
+          <a:bodyPr/>
+          <a:lstStyle/>
+          <a:p>
+            <a:r>
+              <a:rPr lang="ru-RU" dirty="0"/>
+              <a:t>Вменяемый ОО синтаксис</a:t>
+            </a:r>
           </a:p>
         </p:txBody>
       </p:sp>
@@ -11816,13 +12018,13 @@
         </p:nvSpPr>
         <p:spPr>
           <a:xfrm>
-            <a:off x="971600" y="1628800"/>
-            <a:ext cx="7725544" cy="3600400"/>
+            <a:off x="457200" y="908720"/>
+            <a:ext cx="8229600" cy="5616624"/>
           </a:xfrm>
         </p:spPr>
         <p:txBody>
           <a:bodyPr>
-            <a:normAutofit/>
+            <a:normAutofit fontScale="92500" lnSpcReduction="20000"/>
           </a:bodyPr>
           <a:lstStyle/>
           <a:p>
@@ -11830,59 +12032,91 @@
               <a:buNone/>
             </a:pPr>
             <a:r>
-              <a:rPr lang="ru-RU" sz="4000" dirty="0" smtClean="0"/>
-              <a:t>Позволяет разделить </a:t>
+              <a:rPr lang="ru-RU" dirty="0" smtClean="0"/>
+              <a:t>Не смотря на свою функциональную природу </a:t>
+            </a:r>
+            <a:r>
+              <a:rPr lang="en-US" dirty="0" err="1" smtClean="0"/>
+              <a:t>reactJS</a:t>
+            </a:r>
+            <a:r>
+              <a:rPr lang="en-US" dirty="0" smtClean="0"/>
+              <a:t> </a:t>
+            </a:r>
+            <a:r>
+              <a:rPr lang="ru-RU" dirty="0" smtClean="0"/>
+              <a:t>и </a:t>
+            </a:r>
+            <a:r>
+              <a:rPr lang="en-US" dirty="0" smtClean="0"/>
+              <a:t>Flux </a:t>
+            </a:r>
+            <a:r>
+              <a:rPr lang="ru-RU" dirty="0" smtClean="0"/>
+              <a:t>имеют очень даже объектное представление.</a:t>
             </a:r>
           </a:p>
           <a:p>
             <a:pPr marL="0" indent="0">
               <a:buNone/>
             </a:pPr>
-            <a:r>
-              <a:rPr lang="ru-RU" sz="4000" dirty="0"/>
-              <a:t>	</a:t>
-            </a:r>
-            <a:r>
-              <a:rPr lang="ru-RU" sz="4000" dirty="0" smtClean="0"/>
-              <a:t>данные, </a:t>
-            </a:r>
+            <a:endParaRPr lang="ru-RU" dirty="0"/>
           </a:p>
           <a:p>
             <a:pPr marL="0" indent="0">
               <a:buNone/>
             </a:pPr>
             <a:r>
-              <a:rPr lang="ru-RU" sz="4000" dirty="0"/>
-              <a:t>	</a:t>
-            </a:r>
-            <a:r>
-              <a:rPr lang="ru-RU" sz="4000" dirty="0" smtClean="0"/>
-              <a:t>бизнес логику, </a:t>
+              <a:rPr lang="ru-RU" dirty="0" smtClean="0"/>
+              <a:t>Что упрощает обучение сотрудников.</a:t>
             </a:r>
           </a:p>
           <a:p>
             <a:pPr marL="0" indent="0">
               <a:buNone/>
             </a:pPr>
-            <a:r>
-              <a:rPr lang="ru-RU" sz="4000" dirty="0"/>
-              <a:t>	</a:t>
-            </a:r>
-            <a:r>
-              <a:rPr lang="ru-RU" sz="4000" dirty="0" err="1" smtClean="0"/>
-              <a:t>отрисовку</a:t>
-            </a:r>
-            <a:r>
-              <a:rPr lang="ru-RU" sz="4000" dirty="0" smtClean="0"/>
-              <a:t>.</a:t>
-            </a:r>
+            <a:endParaRPr lang="en-US" dirty="0" smtClean="0"/>
+          </a:p>
+          <a:p>
+            <a:pPr marL="0" indent="0">
+              <a:buNone/>
+            </a:pPr>
+            <a:r>
+              <a:rPr lang="ru-RU" dirty="0" smtClean="0"/>
+              <a:t>Используются функциональные и реактивные принципы, которые удачно скрываются от </a:t>
+            </a:r>
+            <a:r>
+              <a:rPr lang="en-US" dirty="0" smtClean="0"/>
+              <a:t>junior </a:t>
+            </a:r>
+            <a:r>
+              <a:rPr lang="ru-RU" dirty="0" smtClean="0"/>
+              <a:t>разработчиков</a:t>
+            </a:r>
+            <a:endParaRPr lang="en-US" dirty="0" smtClean="0"/>
+          </a:p>
+          <a:p>
+            <a:pPr marL="0" indent="0">
+              <a:buNone/>
+            </a:pPr>
+            <a:endParaRPr lang="ru-RU" dirty="0"/>
+          </a:p>
+          <a:p>
+            <a:pPr marL="0" indent="0">
+              <a:buNone/>
+            </a:pPr>
+            <a:r>
+              <a:rPr lang="ru-RU" dirty="0" smtClean="0"/>
+              <a:t>Это хорошо. Все-таки чистые функциональные языки в промышленной разработке как-то не очень пошли.</a:t>
+            </a:r>
+            <a:endParaRPr lang="ru-RU" dirty="0"/>
           </a:p>
         </p:txBody>
       </p:sp>
     </p:spTree>
     <p:extLst>
       <p:ext uri="{BB962C8B-B14F-4D97-AF65-F5344CB8AC3E}">
-        <p14:creationId xmlns:p14="http://schemas.microsoft.com/office/powerpoint/2010/main" val="1879196904"/>
+        <p14:creationId xmlns:p14="http://schemas.microsoft.com/office/powerpoint/2010/main" val="2392644376"/>
       </p:ext>
     </p:extLst>
   </p:cSld>
@@ -11940,7 +12174,7 @@
           <a:p>
             <a:r>
               <a:rPr lang="ru-RU" dirty="0" smtClean="0"/>
-              <a:t>Облегчение тестирования</a:t>
+              <a:t>Готовое архитектурное решение</a:t>
             </a:r>
             <a:endParaRPr lang="ru-RU" dirty="0"/>
           </a:p>
@@ -11958,8 +12192,8 @@
         </p:nvSpPr>
         <p:spPr>
           <a:xfrm>
-            <a:off x="323528" y="1268760"/>
-            <a:ext cx="8640960" cy="4968552"/>
+            <a:off x="971600" y="1628800"/>
+            <a:ext cx="7725544" cy="3600400"/>
           </a:xfrm>
         </p:spPr>
         <p:txBody>
@@ -11972,40 +12206,51 @@
               <a:buNone/>
             </a:pPr>
             <a:r>
-              <a:rPr lang="ru-RU" sz="3600" dirty="0" smtClean="0"/>
-              <a:t>Поскольку изначально архитектура заставляет разделить логику, данные и </a:t>
-            </a:r>
-            <a:r>
-              <a:rPr lang="ru-RU" sz="3600" dirty="0" err="1" smtClean="0"/>
+              <a:rPr lang="ru-RU" sz="4000" dirty="0" smtClean="0"/>
+              <a:t>Позволяет разделить </a:t>
+            </a:r>
+          </a:p>
+          <a:p>
+            <a:pPr marL="0" indent="0">
+              <a:buNone/>
+            </a:pPr>
+            <a:r>
+              <a:rPr lang="ru-RU" sz="4000" dirty="0"/>
+              <a:t>	</a:t>
+            </a:r>
+            <a:r>
+              <a:rPr lang="ru-RU" sz="4000" dirty="0" smtClean="0"/>
+              <a:t>данные, </a:t>
+            </a:r>
+          </a:p>
+          <a:p>
+            <a:pPr marL="0" indent="0">
+              <a:buNone/>
+            </a:pPr>
+            <a:r>
+              <a:rPr lang="ru-RU" sz="4000" dirty="0"/>
+              <a:t>	</a:t>
+            </a:r>
+            <a:r>
+              <a:rPr lang="ru-RU" sz="4000" dirty="0" smtClean="0"/>
+              <a:t>бизнес логику, </a:t>
+            </a:r>
+          </a:p>
+          <a:p>
+            <a:pPr marL="0" indent="0">
+              <a:buNone/>
+            </a:pPr>
+            <a:r>
+              <a:rPr lang="ru-RU" sz="4000" dirty="0"/>
+              <a:t>	</a:t>
+            </a:r>
+            <a:r>
+              <a:rPr lang="ru-RU" sz="4000" dirty="0" err="1" smtClean="0"/>
               <a:t>отрисовку</a:t>
             </a:r>
             <a:r>
-              <a:rPr lang="ru-RU" sz="3600" dirty="0" smtClean="0"/>
-              <a:t>:</a:t>
-            </a:r>
-          </a:p>
-          <a:p>
-            <a:pPr marL="0" indent="0">
-              <a:buNone/>
-            </a:pPr>
-            <a:endParaRPr lang="ru-RU" sz="3600" dirty="0" smtClean="0"/>
-          </a:p>
-          <a:p>
-            <a:pPr>
-              <a:buFontTx/>
-              <a:buChar char="-"/>
-            </a:pPr>
-            <a:r>
-              <a:rPr lang="ru-RU" sz="3600" dirty="0" smtClean="0"/>
-              <a:t>Легко начать писать тесты, даже если на этапе </a:t>
-            </a:r>
-            <a:r>
-              <a:rPr lang="ru-RU" sz="3600" dirty="0" err="1" smtClean="0"/>
-              <a:t>стартапа</a:t>
-            </a:r>
-            <a:r>
-              <a:rPr lang="ru-RU" sz="3600" dirty="0" smtClean="0"/>
-              <a:t> этого не делали</a:t>
+              <a:rPr lang="ru-RU" sz="4000" dirty="0" smtClean="0"/>
+              <a:t>.</a:t>
             </a:r>
           </a:p>
         </p:txBody>
@@ -12013,7 +12258,7 @@
     </p:spTree>
     <p:extLst>
       <p:ext uri="{BB962C8B-B14F-4D97-AF65-F5344CB8AC3E}">
-        <p14:creationId xmlns:p14="http://schemas.microsoft.com/office/powerpoint/2010/main" val="247589133"/>
+        <p14:creationId xmlns:p14="http://schemas.microsoft.com/office/powerpoint/2010/main" val="1879196904"/>
       </p:ext>
     </p:extLst>
   </p:cSld>
@@ -12057,33 +12302,10 @@
             <p:ph type="title"/>
           </p:nvPr>
         </p:nvSpPr>
-        <p:spPr/>
-        <p:txBody>
-          <a:bodyPr/>
-          <a:lstStyle/>
-          <a:p>
-            <a:r>
-              <a:rPr lang="ru-RU" dirty="0" smtClean="0"/>
-              <a:t>Немного философии</a:t>
-            </a:r>
-            <a:endParaRPr lang="ru-RU" dirty="0"/>
-          </a:p>
-        </p:txBody>
-      </p:sp>
-      <p:sp>
-        <p:nvSpPr>
-          <p:cNvPr id="3" name="Объект 2"/>
-          <p:cNvSpPr>
-            <a:spLocks noGrp="1"/>
-          </p:cNvSpPr>
-          <p:nvPr>
-            <p:ph idx="1"/>
-          </p:nvPr>
-        </p:nvSpPr>
         <p:spPr>
           <a:xfrm>
-            <a:off x="395536" y="2708920"/>
-            <a:ext cx="8229600" cy="2592288"/>
+            <a:off x="467544" y="0"/>
+            <a:ext cx="8229600" cy="908720"/>
           </a:xfrm>
         </p:spPr>
         <p:txBody>
@@ -12092,56 +12314,82 @@
           </a:bodyPr>
           <a:lstStyle/>
           <a:p>
-            <a:pPr marL="0" indent="0" algn="ctr">
+            <a:r>
+              <a:rPr lang="ru-RU" dirty="0" smtClean="0"/>
+              <a:t>Облегчение тестирования</a:t>
+            </a:r>
+            <a:endParaRPr lang="ru-RU" dirty="0"/>
+          </a:p>
+        </p:txBody>
+      </p:sp>
+      <p:sp>
+        <p:nvSpPr>
+          <p:cNvPr id="3" name="Объект 2"/>
+          <p:cNvSpPr>
+            <a:spLocks noGrp="1"/>
+          </p:cNvSpPr>
+          <p:nvPr>
+            <p:ph idx="1"/>
+          </p:nvPr>
+        </p:nvSpPr>
+        <p:spPr>
+          <a:xfrm>
+            <a:off x="323528" y="1268760"/>
+            <a:ext cx="8640960" cy="4968552"/>
+          </a:xfrm>
+        </p:spPr>
+        <p:txBody>
+          <a:bodyPr>
+            <a:normAutofit/>
+          </a:bodyPr>
+          <a:lstStyle/>
+          <a:p>
+            <a:pPr marL="0" indent="0">
               <a:buNone/>
             </a:pPr>
             <a:r>
-              <a:rPr lang="ru-RU" sz="4000" dirty="0" smtClean="0"/>
-              <a:t>Почему </a:t>
-            </a:r>
-            <a:r>
-              <a:rPr lang="en-US" sz="4000" dirty="0" smtClean="0"/>
-              <a:t>react </a:t>
-            </a:r>
-            <a:r>
-              <a:rPr lang="ru-RU" sz="4000" dirty="0" smtClean="0"/>
-              <a:t>и </a:t>
-            </a:r>
-            <a:r>
-              <a:rPr lang="en-US" sz="4000" dirty="0" smtClean="0"/>
-              <a:t>flux </a:t>
-            </a:r>
-            <a:r>
-              <a:rPr lang="ru-RU" sz="4000" dirty="0" smtClean="0"/>
-              <a:t>это хорошо</a:t>
-            </a:r>
-          </a:p>
-          <a:p>
-            <a:pPr marL="0" indent="0" algn="ctr">
+              <a:rPr lang="ru-RU" sz="3600" dirty="0" smtClean="0"/>
+              <a:t>Поскольку изначально архитектура заставляет разделить логику, данные и </a:t>
+            </a:r>
+            <a:r>
+              <a:rPr lang="ru-RU" sz="3600" dirty="0" err="1" smtClean="0"/>
+              <a:t>отрисовку</a:t>
+            </a:r>
+            <a:r>
+              <a:rPr lang="ru-RU" sz="3600" dirty="0" smtClean="0"/>
+              <a:t>:</a:t>
+            </a:r>
+          </a:p>
+          <a:p>
+            <a:pPr marL="0" indent="0">
               <a:buNone/>
             </a:pPr>
-            <a:endParaRPr lang="ru-RU" sz="4000" dirty="0"/>
-          </a:p>
-          <a:p>
-            <a:pPr marL="0" indent="0" algn="ctr">
-              <a:buNone/>
+            <a:endParaRPr lang="ru-RU" sz="3600" dirty="0" smtClean="0"/>
+          </a:p>
+          <a:p>
+            <a:pPr>
+              <a:buFontTx/>
+              <a:buChar char="-"/>
             </a:pPr>
             <a:r>
-              <a:rPr lang="ru-RU" sz="4000" dirty="0" smtClean="0"/>
-              <a:t>Точка зрения </a:t>
-            </a:r>
-            <a:r>
-              <a:rPr lang="ru-RU" sz="4000" dirty="0" err="1" smtClean="0"/>
-              <a:t>манагера</a:t>
-            </a:r>
-            <a:endParaRPr lang="ru-RU" sz="4000" dirty="0"/>
+              <a:rPr lang="ru-RU" sz="3600" dirty="0" smtClean="0"/>
+              <a:t>Легко начать писать тесты, даже если на этапе </a:t>
+            </a:r>
+            <a:r>
+              <a:rPr lang="ru-RU" sz="3600" dirty="0" err="1" smtClean="0"/>
+              <a:t>стартапа</a:t>
+            </a:r>
+            <a:r>
+              <a:rPr lang="ru-RU" sz="3600" dirty="0" smtClean="0"/>
+              <a:t> этого не делали</a:t>
+            </a:r>
           </a:p>
         </p:txBody>
       </p:sp>
     </p:spTree>
     <p:extLst>
       <p:ext uri="{BB962C8B-B14F-4D97-AF65-F5344CB8AC3E}">
-        <p14:creationId xmlns:p14="http://schemas.microsoft.com/office/powerpoint/2010/main" val="2443858090"/>
+        <p14:creationId xmlns:p14="http://schemas.microsoft.com/office/powerpoint/2010/main" val="247589133"/>
       </p:ext>
     </p:extLst>
   </p:cSld>
@@ -12192,7 +12440,7 @@
           <a:p>
             <a:r>
               <a:rPr lang="ru-RU" dirty="0" smtClean="0"/>
-              <a:t>Сравнения всегда лукавы</a:t>
+              <a:t>Немного философии</a:t>
             </a:r>
             <a:endParaRPr lang="ru-RU" dirty="0"/>
           </a:p>
@@ -12210,13 +12458,13 @@
         </p:nvSpPr>
         <p:spPr>
           <a:xfrm>
-            <a:off x="395536" y="2996952"/>
-            <a:ext cx="8229600" cy="1252736"/>
+            <a:off x="395536" y="2708920"/>
+            <a:ext cx="8229600" cy="2592288"/>
           </a:xfrm>
         </p:spPr>
         <p:txBody>
           <a:bodyPr>
-            <a:normAutofit lnSpcReduction="10000"/>
+            <a:normAutofit/>
           </a:bodyPr>
           <a:lstStyle/>
           <a:p>
@@ -12225,7 +12473,42 @@
             </a:pPr>
             <a:r>
               <a:rPr lang="ru-RU" sz="4000" dirty="0" smtClean="0"/>
-              <a:t>А если так, то может стоит довериться ощущениям?</a:t>
+              <a:t>Почему </a:t>
+            </a:r>
+            <a:r>
+              <a:rPr lang="en-US" sz="4000" dirty="0" smtClean="0"/>
+              <a:t>react </a:t>
+            </a:r>
+            <a:r>
+              <a:rPr lang="ru-RU" sz="4000" dirty="0" smtClean="0"/>
+              <a:t>и </a:t>
+            </a:r>
+            <a:r>
+              <a:rPr lang="en-US" sz="4000" dirty="0" smtClean="0"/>
+              <a:t>flux </a:t>
+            </a:r>
+            <a:r>
+              <a:rPr lang="ru-RU" sz="4000" dirty="0" smtClean="0"/>
+              <a:t>это хорошо</a:t>
+            </a:r>
+          </a:p>
+          <a:p>
+            <a:pPr marL="0" indent="0" algn="ctr">
+              <a:buNone/>
+            </a:pPr>
+            <a:endParaRPr lang="ru-RU" sz="4000" dirty="0"/>
+          </a:p>
+          <a:p>
+            <a:pPr marL="0" indent="0" algn="ctr">
+              <a:buNone/>
+            </a:pPr>
+            <a:r>
+              <a:rPr lang="ru-RU" sz="4000" dirty="0" smtClean="0"/>
+              <a:t>Точка зрения </a:t>
+            </a:r>
+            <a:r>
+              <a:rPr lang="ru-RU" sz="4000" dirty="0" err="1" smtClean="0"/>
+              <a:t>манагера</a:t>
             </a:r>
             <a:endParaRPr lang="ru-RU" sz="4000" dirty="0"/>
           </a:p>
@@ -12234,7 +12517,7 @@
     </p:spTree>
     <p:extLst>
       <p:ext uri="{BB962C8B-B14F-4D97-AF65-F5344CB8AC3E}">
-        <p14:creationId xmlns:p14="http://schemas.microsoft.com/office/powerpoint/2010/main" val="3500169033"/>
+        <p14:creationId xmlns:p14="http://schemas.microsoft.com/office/powerpoint/2010/main" val="2443858090"/>
       </p:ext>
     </p:extLst>
   </p:cSld>
@@ -12276,7 +12559,7 @@
         </p:nvSpPr>
         <p:spPr>
           <a:xfrm>
-            <a:off x="395536" y="476672"/>
+            <a:off x="387943" y="1052736"/>
             <a:ext cx="8469560" cy="5632311"/>
           </a:xfrm>
           <a:prstGeom prst="rect">
@@ -12308,34 +12591,64 @@
           <a:p>
             <a:r>
               <a:rPr lang="ru-RU" sz="4000" dirty="0" smtClean="0"/>
-              <a:t>А разработка не «</a:t>
+              <a:t>Все есть, но тратишь кучу времени для поиска решения.</a:t>
+            </a:r>
+          </a:p>
+          <a:p>
+            <a:endParaRPr lang="ru-RU" sz="4000" dirty="0" smtClean="0"/>
+          </a:p>
+          <a:p>
+            <a:r>
+              <a:rPr lang="ru-RU" sz="4000" dirty="0" smtClean="0"/>
+              <a:t>Тяжко разрабатывать.</a:t>
+            </a:r>
+          </a:p>
+          <a:p>
+            <a:endParaRPr lang="ru-RU" sz="4000" dirty="0"/>
+          </a:p>
+          <a:p>
+            <a:r>
+              <a:rPr lang="ru-RU" sz="4000" dirty="0" smtClean="0"/>
+              <a:t>Нет </a:t>
             </a:r>
             <a:r>
               <a:rPr lang="ru-RU" sz="4000" dirty="0" err="1" smtClean="0"/>
-              <a:t>штырит</a:t>
+              <a:t>щасья</a:t>
             </a:r>
             <a:r>
               <a:rPr lang="ru-RU" sz="4000" dirty="0" smtClean="0"/>
-              <a:t>». </a:t>
-            </a:r>
-          </a:p>
-          <a:p>
-            <a:endParaRPr lang="ru-RU" sz="4000" dirty="0"/>
-          </a:p>
-          <a:p>
-            <a:r>
-              <a:rPr lang="ru-RU" sz="4000" dirty="0" smtClean="0"/>
-              <a:t>Всё есть, всё делается, но как будто кирпичи таскаешь.</a:t>
-            </a:r>
-          </a:p>
-          <a:p>
-            <a:endParaRPr lang="ru-RU" sz="4000" dirty="0"/>
-          </a:p>
-          <a:p>
-            <a:r>
-              <a:rPr lang="ru-RU" sz="4000" dirty="0" smtClean="0"/>
-              <a:t>За что мне это?</a:t>
-            </a:r>
+              <a:t> в жизни.</a:t>
+            </a:r>
+          </a:p>
+        </p:txBody>
+      </p:sp>
+      <p:sp>
+        <p:nvSpPr>
+          <p:cNvPr id="3" name="Прямоугольник 2"/>
+          <p:cNvSpPr/>
+          <p:nvPr/>
+        </p:nvSpPr>
+        <p:spPr>
+          <a:xfrm>
+            <a:off x="711045" y="39336"/>
+            <a:ext cx="8208912" cy="830997"/>
+          </a:xfrm>
+          <a:prstGeom prst="rect">
+            <a:avLst/>
+          </a:prstGeom>
+        </p:spPr>
+        <p:txBody>
+          <a:bodyPr wrap="square">
+            <a:spAutoFit/>
+          </a:bodyPr>
+          <a:lstStyle/>
+          <a:p>
+            <a:pPr algn="ctr"/>
+            <a:r>
+              <a:rPr lang="ru-RU" sz="4800" dirty="0" smtClean="0"/>
+              <a:t>Гнев</a:t>
+            </a:r>
+            <a:endParaRPr lang="en-US" sz="4800" dirty="0" smtClean="0"/>
           </a:p>
         </p:txBody>
       </p:sp>
@@ -12379,135 +12692,47 @@
             <p:ph type="title"/>
           </p:nvPr>
         </p:nvSpPr>
+        <p:spPr/>
+        <p:txBody>
+          <a:bodyPr/>
+          <a:lstStyle/>
+          <a:p>
+            <a:r>
+              <a:rPr lang="ru-RU" dirty="0" smtClean="0"/>
+              <a:t>Сравнения всегда лукавы</a:t>
+            </a:r>
+            <a:endParaRPr lang="ru-RU" dirty="0"/>
+          </a:p>
+        </p:txBody>
+      </p:sp>
+      <p:sp>
+        <p:nvSpPr>
+          <p:cNvPr id="3" name="Объект 2"/>
+          <p:cNvSpPr>
+            <a:spLocks noGrp="1"/>
+          </p:cNvSpPr>
+          <p:nvPr>
+            <p:ph idx="1"/>
+          </p:nvPr>
+        </p:nvSpPr>
         <p:spPr>
           <a:xfrm>
-            <a:off x="467544" y="0"/>
-            <a:ext cx="8229600" cy="1143000"/>
+            <a:off x="395536" y="2996952"/>
+            <a:ext cx="8229600" cy="1252736"/>
           </a:xfrm>
         </p:spPr>
         <p:txBody>
           <a:bodyPr>
-            <a:normAutofit fontScale="90000"/>
+            <a:normAutofit lnSpcReduction="10000"/>
           </a:bodyPr>
           <a:lstStyle/>
           <a:p>
-            <a:r>
-              <a:rPr lang="ru-RU" dirty="0" smtClean="0"/>
-              <a:t>Ощущения при создании </a:t>
-            </a:r>
-            <a:r>
-              <a:rPr lang="en-US" dirty="0" smtClean="0"/>
-              <a:t>UI </a:t>
-            </a:r>
-            <a:r>
-              <a:rPr lang="ru-RU" dirty="0" smtClean="0"/>
-              <a:t>ранее</a:t>
-            </a:r>
-            <a:endParaRPr lang="ru-RU" dirty="0"/>
-          </a:p>
-        </p:txBody>
-      </p:sp>
-      <p:sp>
-        <p:nvSpPr>
-          <p:cNvPr id="3" name="Объект 2"/>
-          <p:cNvSpPr>
-            <a:spLocks noGrp="1"/>
-          </p:cNvSpPr>
-          <p:nvPr>
-            <p:ph idx="1"/>
-          </p:nvPr>
-        </p:nvSpPr>
-        <p:spPr>
-          <a:xfrm>
-            <a:off x="179512" y="1484784"/>
-            <a:ext cx="8712968" cy="5112568"/>
-          </a:xfrm>
-        </p:spPr>
-        <p:txBody>
-          <a:bodyPr>
-            <a:normAutofit fontScale="92500" lnSpcReduction="20000"/>
-          </a:bodyPr>
-          <a:lstStyle/>
-          <a:p>
-            <a:pPr marL="0" indent="0">
+            <a:pPr marL="0" indent="0" algn="ctr">
               <a:buNone/>
             </a:pPr>
             <a:r>
               <a:rPr lang="ru-RU" sz="4000" dirty="0" smtClean="0"/>
-              <a:t>Да библиотеки вроде мощные, сделать можно все.</a:t>
-            </a:r>
-          </a:p>
-          <a:p>
-            <a:pPr marL="0" indent="0">
-              <a:buNone/>
-            </a:pPr>
-            <a:endParaRPr lang="ru-RU" sz="4000" dirty="0"/>
-          </a:p>
-          <a:p>
-            <a:pPr marL="0" indent="0">
-              <a:buNone/>
-            </a:pPr>
-            <a:r>
-              <a:rPr lang="ru-RU" sz="4000" dirty="0" smtClean="0"/>
-              <a:t>Но как будто кирпичи</a:t>
-            </a:r>
-            <a:r>
-              <a:rPr lang="en-US" sz="4000" dirty="0" smtClean="0"/>
-              <a:t> </a:t>
-            </a:r>
-            <a:r>
-              <a:rPr lang="ru-RU" sz="4000" dirty="0" smtClean="0"/>
-              <a:t>на стройке носишь, устаешь жутко.</a:t>
-            </a:r>
-          </a:p>
-          <a:p>
-            <a:pPr marL="0" indent="0">
-              <a:buNone/>
-            </a:pPr>
-            <a:endParaRPr lang="ru-RU" sz="4000" dirty="0" smtClean="0"/>
-          </a:p>
-          <a:p>
-            <a:pPr marL="0" indent="0">
-              <a:buNone/>
-            </a:pPr>
-            <a:r>
-              <a:rPr lang="ru-RU" sz="4000" dirty="0" smtClean="0"/>
-              <a:t>Постоянное недовольство </a:t>
-            </a:r>
-            <a:r>
-              <a:rPr lang="ru-RU" sz="4000" dirty="0"/>
-              <a:t>от </a:t>
-            </a:r>
-            <a:r>
-              <a:rPr lang="ru-RU" sz="4000" dirty="0" smtClean="0"/>
-              <a:t>процесса</a:t>
-            </a:r>
-          </a:p>
-          <a:p>
-            <a:pPr marL="0" indent="0">
-              <a:buNone/>
-            </a:pPr>
-            <a:endParaRPr lang="ru-RU" sz="4000" dirty="0" smtClean="0"/>
-          </a:p>
-          <a:p>
-            <a:pPr marL="0" indent="0">
-              <a:buNone/>
-            </a:pPr>
-            <a:r>
-              <a:rPr lang="ru-RU" sz="4000" dirty="0" smtClean="0"/>
-              <a:t>А под </a:t>
-            </a:r>
-            <a:r>
-              <a:rPr lang="en-US" sz="4000" dirty="0"/>
-              <a:t>Web</a:t>
-            </a:r>
-            <a:r>
-              <a:rPr lang="ru-RU" sz="4000" dirty="0"/>
-              <a:t> – двойное </a:t>
-            </a:r>
-            <a:r>
-              <a:rPr lang="ru-RU" sz="4000" dirty="0" err="1" smtClean="0"/>
-              <a:t>недовольствие</a:t>
+              <a:t>А если так, то может стоит довериться ощущениям?</a:t>
             </a:r>
             <a:endParaRPr lang="ru-RU" sz="4000" dirty="0"/>
           </a:p>
@@ -12516,7 +12741,7 @@
     </p:spTree>
     <p:extLst>
       <p:ext uri="{BB962C8B-B14F-4D97-AF65-F5344CB8AC3E}">
-        <p14:creationId xmlns:p14="http://schemas.microsoft.com/office/powerpoint/2010/main" val="1900396252"/>
+        <p14:creationId xmlns:p14="http://schemas.microsoft.com/office/powerpoint/2010/main" val="3500169033"/>
       </p:ext>
     </p:extLst>
   </p:cSld>
@@ -12560,7 +12785,326 @@
             <p:ph type="title"/>
           </p:nvPr>
         </p:nvSpPr>
-        <p:spPr/>
+        <p:spPr>
+          <a:xfrm>
+            <a:off x="467544" y="0"/>
+            <a:ext cx="8229600" cy="1143000"/>
+          </a:xfrm>
+        </p:spPr>
+        <p:txBody>
+          <a:bodyPr>
+            <a:normAutofit fontScale="90000"/>
+          </a:bodyPr>
+          <a:lstStyle/>
+          <a:p>
+            <a:r>
+              <a:rPr lang="ru-RU" dirty="0" smtClean="0"/>
+              <a:t>Ощущения при создании </a:t>
+            </a:r>
+            <a:r>
+              <a:rPr lang="en-US" dirty="0" smtClean="0"/>
+              <a:t>UI </a:t>
+            </a:r>
+            <a:r>
+              <a:rPr lang="ru-RU" dirty="0" smtClean="0"/>
+              <a:t>ранее</a:t>
+            </a:r>
+            <a:endParaRPr lang="ru-RU" dirty="0"/>
+          </a:p>
+        </p:txBody>
+      </p:sp>
+      <p:sp>
+        <p:nvSpPr>
+          <p:cNvPr id="3" name="Объект 2"/>
+          <p:cNvSpPr>
+            <a:spLocks noGrp="1"/>
+          </p:cNvSpPr>
+          <p:nvPr>
+            <p:ph idx="1"/>
+          </p:nvPr>
+        </p:nvSpPr>
+        <p:spPr>
+          <a:xfrm>
+            <a:off x="179512" y="1484784"/>
+            <a:ext cx="8712968" cy="5112568"/>
+          </a:xfrm>
+        </p:spPr>
+        <p:txBody>
+          <a:bodyPr>
+            <a:normAutofit fontScale="92500" lnSpcReduction="20000"/>
+          </a:bodyPr>
+          <a:lstStyle/>
+          <a:p>
+            <a:pPr marL="0" indent="0">
+              <a:buNone/>
+            </a:pPr>
+            <a:r>
+              <a:rPr lang="ru-RU" sz="4000" dirty="0" smtClean="0"/>
+              <a:t>Да библиотеки вроде мощные, сделать можно все.</a:t>
+            </a:r>
+          </a:p>
+          <a:p>
+            <a:pPr marL="0" indent="0">
+              <a:buNone/>
+            </a:pPr>
+            <a:endParaRPr lang="ru-RU" sz="4000" dirty="0"/>
+          </a:p>
+          <a:p>
+            <a:pPr marL="0" indent="0">
+              <a:buNone/>
+            </a:pPr>
+            <a:r>
+              <a:rPr lang="ru-RU" sz="4000" dirty="0" smtClean="0"/>
+              <a:t>Но как будто кирпичи</a:t>
+            </a:r>
+            <a:r>
+              <a:rPr lang="en-US" sz="4000" dirty="0" smtClean="0"/>
+              <a:t> </a:t>
+            </a:r>
+            <a:r>
+              <a:rPr lang="ru-RU" sz="4000" dirty="0" smtClean="0"/>
+              <a:t>на стройке носишь, устаешь жутко.</a:t>
+            </a:r>
+          </a:p>
+          <a:p>
+            <a:pPr marL="0" indent="0">
+              <a:buNone/>
+            </a:pPr>
+            <a:endParaRPr lang="ru-RU" sz="4000" dirty="0" smtClean="0"/>
+          </a:p>
+          <a:p>
+            <a:pPr marL="0" indent="0">
+              <a:buNone/>
+            </a:pPr>
+            <a:r>
+              <a:rPr lang="ru-RU" sz="4000" dirty="0" smtClean="0"/>
+              <a:t>Постоянное недовольство </a:t>
+            </a:r>
+            <a:r>
+              <a:rPr lang="ru-RU" sz="4000" dirty="0"/>
+              <a:t>от </a:t>
+            </a:r>
+            <a:r>
+              <a:rPr lang="ru-RU" sz="4000" dirty="0" smtClean="0"/>
+              <a:t>процесса</a:t>
+            </a:r>
+          </a:p>
+          <a:p>
+            <a:pPr marL="0" indent="0">
+              <a:buNone/>
+            </a:pPr>
+            <a:endParaRPr lang="ru-RU" sz="4000" dirty="0" smtClean="0"/>
+          </a:p>
+          <a:p>
+            <a:pPr marL="0" indent="0">
+              <a:buNone/>
+            </a:pPr>
+            <a:r>
+              <a:rPr lang="ru-RU" sz="4000" dirty="0" smtClean="0"/>
+              <a:t>А под </a:t>
+            </a:r>
+            <a:r>
+              <a:rPr lang="en-US" sz="4000" dirty="0"/>
+              <a:t>Web</a:t>
+            </a:r>
+            <a:r>
+              <a:rPr lang="ru-RU" sz="4000" dirty="0"/>
+              <a:t> – двойное </a:t>
+            </a:r>
+            <a:r>
+              <a:rPr lang="ru-RU" sz="4000" dirty="0" err="1" smtClean="0"/>
+              <a:t>недовольствие</a:t>
+            </a:r>
+            <a:endParaRPr lang="ru-RU" sz="4000" dirty="0"/>
+          </a:p>
+        </p:txBody>
+      </p:sp>
+    </p:spTree>
+    <p:extLst>
+      <p:ext uri="{BB962C8B-B14F-4D97-AF65-F5344CB8AC3E}">
+        <p14:creationId xmlns:p14="http://schemas.microsoft.com/office/powerpoint/2010/main" val="3001079233"/>
+      </p:ext>
+    </p:extLst>
+  </p:cSld>
+  <p:clrMapOvr>
+    <a:masterClrMapping/>
+  </p:clrMapOvr>
+  <p:timing>
+    <p:tnLst>
+      <p:par>
+        <p:cTn id="1" dur="indefinite" restart="never" nodeType="tmRoot"/>
+      </p:par>
+    </p:tnLst>
+  </p:timing>
+</p:sld>
+</file>
+
+<file path=ppt/slides/slide52.xml><?xml version="1.0" encoding="utf-8"?>
+<p:sld xmlns:a="http://schemas.openxmlformats.org/drawingml/2006/main" xmlns:r="http://schemas.openxmlformats.org/officeDocument/2006/relationships" xmlns:p="http://schemas.openxmlformats.org/presentationml/2006/main">
+  <p:cSld>
+    <p:spTree>
+      <p:nvGrpSpPr>
+        <p:cNvPr id="1" name=""/>
+        <p:cNvGrpSpPr/>
+        <p:nvPr/>
+      </p:nvGrpSpPr>
+      <p:grpSpPr>
+        <a:xfrm>
+          <a:off x="0" y="0"/>
+          <a:ext cx="0" cy="0"/>
+          <a:chOff x="0" y="0"/>
+          <a:chExt cx="0" cy="0"/>
+        </a:xfrm>
+      </p:grpSpPr>
+      <p:sp>
+        <p:nvSpPr>
+          <p:cNvPr id="2" name="Заголовок 1"/>
+          <p:cNvSpPr>
+            <a:spLocks noGrp="1"/>
+          </p:cNvSpPr>
+          <p:nvPr>
+            <p:ph type="title"/>
+          </p:nvPr>
+        </p:nvSpPr>
+        <p:spPr>
+          <a:xfrm>
+            <a:off x="467544" y="0"/>
+            <a:ext cx="8229600" cy="1143000"/>
+          </a:xfrm>
+        </p:spPr>
+        <p:txBody>
+          <a:bodyPr>
+            <a:normAutofit/>
+          </a:bodyPr>
+          <a:lstStyle/>
+          <a:p>
+            <a:r>
+              <a:rPr lang="ru-RU" dirty="0" smtClean="0"/>
+              <a:t>Часто задаваемый вопрос</a:t>
+            </a:r>
+            <a:endParaRPr lang="ru-RU" dirty="0"/>
+          </a:p>
+        </p:txBody>
+      </p:sp>
+      <p:sp>
+        <p:nvSpPr>
+          <p:cNvPr id="3" name="Объект 2"/>
+          <p:cNvSpPr>
+            <a:spLocks noGrp="1"/>
+          </p:cNvSpPr>
+          <p:nvPr>
+            <p:ph idx="1"/>
+          </p:nvPr>
+        </p:nvSpPr>
+        <p:spPr>
+          <a:xfrm>
+            <a:off x="179512" y="1484784"/>
+            <a:ext cx="8712968" cy="5112568"/>
+          </a:xfrm>
+        </p:spPr>
+        <p:txBody>
+          <a:bodyPr>
+            <a:normAutofit/>
+          </a:bodyPr>
+          <a:lstStyle/>
+          <a:p>
+            <a:pPr marL="0" indent="0">
+              <a:buNone/>
+            </a:pPr>
+            <a:r>
+              <a:rPr lang="ru-RU" sz="4000" dirty="0" smtClean="0"/>
+              <a:t>- А что на счет производительности?</a:t>
+            </a:r>
+          </a:p>
+          <a:p>
+            <a:pPr marL="0" indent="0">
+              <a:buNone/>
+            </a:pPr>
+            <a:endParaRPr lang="ru-RU" sz="4000" dirty="0" smtClean="0"/>
+          </a:p>
+          <a:p>
+            <a:pPr>
+              <a:buFontTx/>
+              <a:buChar char="-"/>
+            </a:pPr>
+            <a:r>
+              <a:rPr lang="ru-RU" sz="4000" dirty="0" smtClean="0"/>
+              <a:t>Не правильный вопрос!</a:t>
+            </a:r>
+          </a:p>
+          <a:p>
+            <a:pPr>
+              <a:buFontTx/>
+              <a:buChar char="-"/>
+            </a:pPr>
+            <a:endParaRPr lang="ru-RU" sz="4000" dirty="0"/>
+          </a:p>
+          <a:p>
+            <a:pPr>
+              <a:buFontTx/>
+              <a:buChar char="-"/>
+            </a:pPr>
+            <a:r>
+              <a:rPr lang="ru-RU" sz="4000" dirty="0" smtClean="0"/>
+              <a:t>Правильно – а что на счет производительность разработчика?</a:t>
+            </a:r>
+            <a:endParaRPr lang="ru-RU" sz="4000" dirty="0"/>
+          </a:p>
+        </p:txBody>
+      </p:sp>
+    </p:spTree>
+    <p:extLst>
+      <p:ext uri="{BB962C8B-B14F-4D97-AF65-F5344CB8AC3E}">
+        <p14:creationId xmlns:p14="http://schemas.microsoft.com/office/powerpoint/2010/main" val="1900396252"/>
+      </p:ext>
+    </p:extLst>
+  </p:cSld>
+  <p:clrMapOvr>
+    <a:masterClrMapping/>
+  </p:clrMapOvr>
+  <p:timing>
+    <p:tnLst>
+      <p:par>
+        <p:cTn id="1" dur="indefinite" restart="never" nodeType="tmRoot"/>
+      </p:par>
+    </p:tnLst>
+  </p:timing>
+</p:sld>
+</file>
+
+<file path=ppt/slides/slide53.xml><?xml version="1.0" encoding="utf-8"?>
+<p:sld xmlns:a="http://schemas.openxmlformats.org/drawingml/2006/main" xmlns:r="http://schemas.openxmlformats.org/officeDocument/2006/relationships" xmlns:p="http://schemas.openxmlformats.org/presentationml/2006/main">
+  <p:cSld>
+    <p:spTree>
+      <p:nvGrpSpPr>
+        <p:cNvPr id="1" name=""/>
+        <p:cNvGrpSpPr/>
+        <p:nvPr/>
+      </p:nvGrpSpPr>
+      <p:grpSpPr>
+        <a:xfrm>
+          <a:off x="0" y="0"/>
+          <a:ext cx="0" cy="0"/>
+          <a:chOff x="0" y="0"/>
+          <a:chExt cx="0" cy="0"/>
+        </a:xfrm>
+      </p:grpSpPr>
+      <p:sp>
+        <p:nvSpPr>
+          <p:cNvPr id="2" name="Заголовок 1"/>
+          <p:cNvSpPr>
+            <a:spLocks noGrp="1"/>
+          </p:cNvSpPr>
+          <p:nvPr>
+            <p:ph type="title"/>
+          </p:nvPr>
+        </p:nvSpPr>
+        <p:spPr>
+          <a:xfrm>
+            <a:off x="467544" y="29000"/>
+            <a:ext cx="8229600" cy="1143000"/>
+          </a:xfrm>
+        </p:spPr>
         <p:txBody>
           <a:bodyPr/>
           <a:lstStyle/>
@@ -12583,39 +13127,50 @@
             <p:ph idx="1"/>
           </p:nvPr>
         </p:nvSpPr>
-        <p:spPr/>
-        <p:txBody>
-          <a:bodyPr/>
+        <p:spPr>
+          <a:xfrm>
+            <a:off x="467544" y="1052736"/>
+            <a:ext cx="8229600" cy="5328592"/>
+          </a:xfrm>
+        </p:spPr>
+        <p:txBody>
+          <a:bodyPr>
+            <a:noAutofit/>
+          </a:bodyPr>
           <a:lstStyle/>
           <a:p>
             <a:pPr marL="0" indent="0">
               <a:buNone/>
             </a:pPr>
             <a:r>
-              <a:rPr lang="ru-RU" dirty="0" smtClean="0"/>
-              <a:t>И вот ищешь постоянно какую-то </a:t>
-            </a:r>
-            <a:r>
-              <a:rPr lang="ru-RU" dirty="0" err="1" smtClean="0"/>
-              <a:t>серебрянную</a:t>
-            </a:r>
-            <a:r>
-              <a:rPr lang="ru-RU" dirty="0" smtClean="0"/>
-              <a:t> пулю.</a:t>
+              <a:rPr lang="ru-RU" sz="3700" dirty="0"/>
+              <a:t>И вот ищешь постоянно </a:t>
+            </a:r>
+            <a:r>
+              <a:rPr lang="ru-RU" sz="3700"/>
+              <a:t>какую-то </a:t>
+            </a:r>
+            <a:r>
+              <a:rPr lang="ru-RU" sz="3700" smtClean="0"/>
+              <a:t>серебряную </a:t>
+            </a:r>
+            <a:r>
+              <a:rPr lang="ru-RU" sz="3700" dirty="0"/>
+              <a:t>пулю.</a:t>
             </a:r>
           </a:p>
           <a:p>
             <a:pPr marL="0" indent="0">
               <a:buNone/>
             </a:pPr>
-            <a:endParaRPr lang="ru-RU" dirty="0" smtClean="0"/>
+            <a:endParaRPr lang="ru-RU" sz="3700" dirty="0"/>
           </a:p>
           <a:p>
             <a:pPr marL="0" indent="0">
               <a:buNone/>
             </a:pPr>
             <a:r>
-              <a:rPr lang="ru-RU" dirty="0" smtClean="0"/>
+              <a:rPr lang="ru-RU" sz="3700" dirty="0"/>
               <a:t>Хотя бы библиотеку которую с удовольствием возьмешь для проекта с нуля</a:t>
             </a:r>
           </a:p>
@@ -12623,14 +13178,14 @@
             <a:pPr marL="0" indent="0">
               <a:buNone/>
             </a:pPr>
-            <a:endParaRPr lang="ru-RU" dirty="0"/>
+            <a:endParaRPr lang="ru-RU" sz="3700" dirty="0"/>
           </a:p>
           <a:p>
             <a:pPr marL="0" indent="0">
               <a:buNone/>
             </a:pPr>
             <a:r>
-              <a:rPr lang="ru-RU" dirty="0" smtClean="0"/>
+              <a:rPr lang="ru-RU" sz="3700" dirty="0"/>
               <a:t>Но нет таких</a:t>
             </a:r>
           </a:p>
@@ -12656,7 +13211,7 @@
 </p:sld>
 </file>
 
-<file path=ppt/slides/slide52.xml><?xml version="1.0" encoding="utf-8"?>
+<file path=ppt/slides/slide54.xml><?xml version="1.0" encoding="utf-8"?>
 <p:sld xmlns:a="http://schemas.openxmlformats.org/drawingml/2006/main" xmlns:r="http://schemas.openxmlformats.org/officeDocument/2006/relationships" xmlns:p="http://schemas.openxmlformats.org/presentationml/2006/main">
   <p:cSld>
     <p:spTree>
@@ -12814,7 +13369,7 @@
 </p:sld>
 </file>
 
-<file path=ppt/slides/slide53.xml><?xml version="1.0" encoding="utf-8"?>
+<file path=ppt/slides/slide55.xml><?xml version="1.0" encoding="utf-8"?>
 <p:sld xmlns:a="http://schemas.openxmlformats.org/drawingml/2006/main" xmlns:r="http://schemas.openxmlformats.org/officeDocument/2006/relationships" xmlns:p="http://schemas.openxmlformats.org/presentationml/2006/main">
   <p:cSld>
     <p:spTree>
@@ -12843,12 +13398,14 @@
         </p:nvSpPr>
         <p:spPr>
           <a:xfrm>
-            <a:off x="467544" y="27856"/>
-            <a:ext cx="8229600" cy="1143000"/>
+            <a:off x="179512" y="27856"/>
+            <a:ext cx="8856984" cy="1143000"/>
           </a:xfrm>
         </p:spPr>
         <p:txBody>
-          <a:bodyPr/>
+          <a:bodyPr>
+            <a:normAutofit/>
+          </a:bodyPr>
           <a:lstStyle/>
           <a:p>
             <a:r>
@@ -13023,7 +13580,7 @@
                   </a:schemeClr>
                 </a:solidFill>
               </a:rPr>
-              <a:t>ерспективы</a:t>
+              <a:t>ерспективы развития</a:t>
             </a:r>
           </a:p>
           <a:p>
@@ -13061,151 +13618,7 @@
 </p:sld>
 </file>
 
-<file path=ppt/slides/slide54.xml><?xml version="1.0" encoding="utf-8"?>
-<p:sld xmlns:a="http://schemas.openxmlformats.org/drawingml/2006/main" xmlns:r="http://schemas.openxmlformats.org/officeDocument/2006/relationships" xmlns:p="http://schemas.openxmlformats.org/presentationml/2006/main">
-  <p:cSld>
-    <p:spTree>
-      <p:nvGrpSpPr>
-        <p:cNvPr id="1" name=""/>
-        <p:cNvGrpSpPr/>
-        <p:nvPr/>
-      </p:nvGrpSpPr>
-      <p:grpSpPr>
-        <a:xfrm>
-          <a:off x="0" y="0"/>
-          <a:ext cx="0" cy="0"/>
-          <a:chOff x="0" y="0"/>
-          <a:chExt cx="0" cy="0"/>
-        </a:xfrm>
-      </p:grpSpPr>
-      <p:sp>
-        <p:nvSpPr>
-          <p:cNvPr id="2" name="Заголовок 1"/>
-          <p:cNvSpPr>
-            <a:spLocks noGrp="1"/>
-          </p:cNvSpPr>
-          <p:nvPr>
-            <p:ph type="title"/>
-          </p:nvPr>
-        </p:nvSpPr>
-        <p:spPr/>
-        <p:txBody>
-          <a:bodyPr/>
-          <a:lstStyle/>
-          <a:p>
-            <a:r>
-              <a:rPr lang="ru-RU" dirty="0" smtClean="0"/>
-              <a:t>Изменение взглядов</a:t>
-            </a:r>
-            <a:endParaRPr lang="ru-RU" dirty="0"/>
-          </a:p>
-        </p:txBody>
-      </p:sp>
-      <p:sp>
-        <p:nvSpPr>
-          <p:cNvPr id="3" name="Объект 2"/>
-          <p:cNvSpPr>
-            <a:spLocks noGrp="1"/>
-          </p:cNvSpPr>
-          <p:nvPr>
-            <p:ph idx="1"/>
-          </p:nvPr>
-        </p:nvSpPr>
-        <p:spPr>
-          <a:xfrm>
-            <a:off x="251520" y="1600200"/>
-            <a:ext cx="8712968" cy="4525963"/>
-          </a:xfrm>
-        </p:spPr>
-        <p:txBody>
-          <a:bodyPr>
-            <a:normAutofit/>
-          </a:bodyPr>
-          <a:lstStyle/>
-          <a:p>
-            <a:pPr marL="0" indent="0">
-              <a:buNone/>
-            </a:pPr>
-            <a:r>
-              <a:rPr lang="ru-RU" sz="4000" dirty="0" smtClean="0"/>
-              <a:t>Создавать сложный </a:t>
-            </a:r>
-            <a:r>
-              <a:rPr lang="en-US" sz="4000" dirty="0" smtClean="0"/>
-              <a:t>UI </a:t>
-            </a:r>
-            <a:r>
-              <a:rPr lang="ru-RU" sz="4000" dirty="0" smtClean="0"/>
-              <a:t>можно только в реактивном-функциональном стиле.</a:t>
-            </a:r>
-          </a:p>
-          <a:p>
-            <a:pPr marL="0" indent="0">
-              <a:buNone/>
-            </a:pPr>
-            <a:endParaRPr lang="ru-RU" dirty="0" smtClean="0"/>
-          </a:p>
-          <a:p>
-            <a:pPr marL="0" indent="0">
-              <a:buNone/>
-            </a:pPr>
-            <a:r>
-              <a:rPr lang="ru-RU" dirty="0" smtClean="0">
-                <a:solidFill>
-                  <a:schemeClr val="tx1">
-                    <a:lumMod val="85000"/>
-                    <a:lumOff val="15000"/>
-                  </a:schemeClr>
-                </a:solidFill>
-              </a:rPr>
-              <a:t>- В чистом виде требует документации для понимания модели распространения данных (исходников мало). Но </a:t>
-            </a:r>
-            <a:r>
-              <a:rPr lang="en-US" dirty="0" smtClean="0">
-                <a:solidFill>
-                  <a:schemeClr val="tx1">
-                    <a:lumMod val="85000"/>
-                    <a:lumOff val="15000"/>
-                  </a:schemeClr>
-                </a:solidFill>
-              </a:rPr>
-              <a:t>flux </a:t>
-            </a:r>
-            <a:r>
-              <a:rPr lang="ru-RU" dirty="0" smtClean="0">
-                <a:solidFill>
-                  <a:schemeClr val="tx1">
-                    <a:lumMod val="85000"/>
-                    <a:lumOff val="15000"/>
-                  </a:schemeClr>
-                </a:solidFill>
-              </a:rPr>
-              <a:t>поможет с систематизацией потока данных.</a:t>
-            </a:r>
-          </a:p>
-        </p:txBody>
-      </p:sp>
-    </p:spTree>
-    <p:extLst>
-      <p:ext uri="{BB962C8B-B14F-4D97-AF65-F5344CB8AC3E}">
-        <p14:creationId xmlns:p14="http://schemas.microsoft.com/office/powerpoint/2010/main" val="1511430906"/>
-      </p:ext>
-    </p:extLst>
-  </p:cSld>
-  <p:clrMapOvr>
-    <a:masterClrMapping/>
-  </p:clrMapOvr>
-  <p:timing>
-    <p:tnLst>
-      <p:par>
-        <p:cTn id="1" dur="indefinite" restart="never" nodeType="tmRoot"/>
-      </p:par>
-    </p:tnLst>
-  </p:timing>
-</p:sld>
-</file>
-
-<file path=ppt/slides/slide55.xml><?xml version="1.0" encoding="utf-8"?>
+<file path=ppt/slides/slide56.xml><?xml version="1.0" encoding="utf-8"?>
 <p:sld xmlns:a="http://schemas.openxmlformats.org/drawingml/2006/main" xmlns:r="http://schemas.openxmlformats.org/officeDocument/2006/relationships" xmlns:p="http://schemas.openxmlformats.org/presentationml/2006/main">
   <p:cSld>
     <p:spTree>
@@ -13525,7 +13938,277 @@
 </p:sld>
 </file>
 
-<file path=ppt/slides/slide56.xml><?xml version="1.0" encoding="utf-8"?>
+<file path=ppt/slides/slide57.xml><?xml version="1.0" encoding="utf-8"?>
+<p:sld xmlns:a="http://schemas.openxmlformats.org/drawingml/2006/main" xmlns:r="http://schemas.openxmlformats.org/officeDocument/2006/relationships" xmlns:p="http://schemas.openxmlformats.org/presentationml/2006/main">
+  <p:cSld>
+    <p:spTree>
+      <p:nvGrpSpPr>
+        <p:cNvPr id="1" name=""/>
+        <p:cNvGrpSpPr/>
+        <p:nvPr/>
+      </p:nvGrpSpPr>
+      <p:grpSpPr>
+        <a:xfrm>
+          <a:off x="0" y="0"/>
+          <a:ext cx="0" cy="0"/>
+          <a:chOff x="0" y="0"/>
+          <a:chExt cx="0" cy="0"/>
+        </a:xfrm>
+      </p:grpSpPr>
+      <p:sp>
+        <p:nvSpPr>
+          <p:cNvPr id="2" name="Заголовок 1"/>
+          <p:cNvSpPr>
+            <a:spLocks noGrp="1"/>
+          </p:cNvSpPr>
+          <p:nvPr>
+            <p:ph type="title"/>
+          </p:nvPr>
+        </p:nvSpPr>
+        <p:spPr>
+          <a:xfrm>
+            <a:off x="467544" y="0"/>
+            <a:ext cx="8229600" cy="908720"/>
+          </a:xfrm>
+        </p:spPr>
+        <p:txBody>
+          <a:bodyPr>
+            <a:normAutofit/>
+          </a:bodyPr>
+          <a:lstStyle/>
+          <a:p>
+            <a:r>
+              <a:rPr lang="ru-RU" dirty="0" smtClean="0"/>
+              <a:t>Легкий переход</a:t>
+            </a:r>
+            <a:endParaRPr lang="ru-RU" dirty="0"/>
+          </a:p>
+        </p:txBody>
+      </p:sp>
+      <p:sp>
+        <p:nvSpPr>
+          <p:cNvPr id="3" name="Объект 2"/>
+          <p:cNvSpPr>
+            <a:spLocks noGrp="1"/>
+          </p:cNvSpPr>
+          <p:nvPr>
+            <p:ph idx="1"/>
+          </p:nvPr>
+        </p:nvSpPr>
+        <p:spPr>
+          <a:xfrm>
+            <a:off x="971600" y="1484784"/>
+            <a:ext cx="7725544" cy="2808312"/>
+          </a:xfrm>
+        </p:spPr>
+        <p:txBody>
+          <a:bodyPr>
+            <a:normAutofit/>
+          </a:bodyPr>
+          <a:lstStyle/>
+          <a:p>
+            <a:pPr marL="0" indent="0">
+              <a:buNone/>
+            </a:pPr>
+            <a:r>
+              <a:rPr lang="ru-RU" sz="4000" dirty="0" smtClean="0"/>
+              <a:t>Проекты на </a:t>
+            </a:r>
+            <a:r>
+              <a:rPr lang="en-US" sz="4000" dirty="0" smtClean="0"/>
+              <a:t>react </a:t>
+            </a:r>
+            <a:r>
+              <a:rPr lang="ru-RU" sz="4000" dirty="0" smtClean="0"/>
+              <a:t>легко переводить.</a:t>
+            </a:r>
+          </a:p>
+          <a:p>
+            <a:pPr marL="0" indent="0">
+              <a:buNone/>
+            </a:pPr>
+            <a:endParaRPr lang="ru-RU" sz="4000" dirty="0"/>
+          </a:p>
+          <a:p>
+            <a:pPr marL="0" indent="0">
+              <a:buNone/>
+            </a:pPr>
+            <a:r>
+              <a:rPr lang="ru-RU" sz="4000" dirty="0" err="1" smtClean="0"/>
+              <a:t>Бенефиты</a:t>
+            </a:r>
+            <a:r>
+              <a:rPr lang="ru-RU" sz="4000" dirty="0" smtClean="0"/>
+              <a:t> идут сразу.</a:t>
+            </a:r>
+          </a:p>
+        </p:txBody>
+      </p:sp>
+    </p:spTree>
+    <p:extLst>
+      <p:ext uri="{BB962C8B-B14F-4D97-AF65-F5344CB8AC3E}">
+        <p14:creationId xmlns:p14="http://schemas.microsoft.com/office/powerpoint/2010/main" val="2776842968"/>
+      </p:ext>
+    </p:extLst>
+  </p:cSld>
+  <p:clrMapOvr>
+    <a:masterClrMapping/>
+  </p:clrMapOvr>
+  <p:timing>
+    <p:tnLst>
+      <p:par>
+        <p:cTn id="1" dur="indefinite" restart="never" nodeType="tmRoot"/>
+      </p:par>
+    </p:tnLst>
+  </p:timing>
+</p:sld>
+</file>
+
+<file path=ppt/slides/slide58.xml><?xml version="1.0" encoding="utf-8"?>
+<p:sld xmlns:a="http://schemas.openxmlformats.org/drawingml/2006/main" xmlns:r="http://schemas.openxmlformats.org/officeDocument/2006/relationships" xmlns:p="http://schemas.openxmlformats.org/presentationml/2006/main">
+  <p:cSld>
+    <p:spTree>
+      <p:nvGrpSpPr>
+        <p:cNvPr id="1" name=""/>
+        <p:cNvGrpSpPr/>
+        <p:nvPr/>
+      </p:nvGrpSpPr>
+      <p:grpSpPr>
+        <a:xfrm>
+          <a:off x="0" y="0"/>
+          <a:ext cx="0" cy="0"/>
+          <a:chOff x="0" y="0"/>
+          <a:chExt cx="0" cy="0"/>
+        </a:xfrm>
+      </p:grpSpPr>
+      <p:sp>
+        <p:nvSpPr>
+          <p:cNvPr id="2" name="Заголовок 1"/>
+          <p:cNvSpPr>
+            <a:spLocks noGrp="1"/>
+          </p:cNvSpPr>
+          <p:nvPr>
+            <p:ph type="title"/>
+          </p:nvPr>
+        </p:nvSpPr>
+        <p:spPr/>
+        <p:txBody>
+          <a:bodyPr/>
+          <a:lstStyle/>
+          <a:p>
+            <a:r>
+              <a:rPr lang="ru-RU" dirty="0" smtClean="0"/>
+              <a:t>Изменение взглядов</a:t>
+            </a:r>
+            <a:endParaRPr lang="ru-RU" dirty="0"/>
+          </a:p>
+        </p:txBody>
+      </p:sp>
+      <p:sp>
+        <p:nvSpPr>
+          <p:cNvPr id="3" name="Объект 2"/>
+          <p:cNvSpPr>
+            <a:spLocks noGrp="1"/>
+          </p:cNvSpPr>
+          <p:nvPr>
+            <p:ph idx="1"/>
+          </p:nvPr>
+        </p:nvSpPr>
+        <p:spPr>
+          <a:xfrm>
+            <a:off x="251520" y="1600200"/>
+            <a:ext cx="8712968" cy="4525963"/>
+          </a:xfrm>
+        </p:spPr>
+        <p:txBody>
+          <a:bodyPr>
+            <a:normAutofit/>
+          </a:bodyPr>
+          <a:lstStyle/>
+          <a:p>
+            <a:pPr marL="0" indent="0">
+              <a:buNone/>
+            </a:pPr>
+            <a:r>
+              <a:rPr lang="ru-RU" sz="4000" dirty="0" smtClean="0"/>
+              <a:t>Создавать сложный </a:t>
+            </a:r>
+            <a:r>
+              <a:rPr lang="en-US" sz="4000" dirty="0" smtClean="0"/>
+              <a:t>UI </a:t>
+            </a:r>
+            <a:r>
+              <a:rPr lang="ru-RU" sz="4000" dirty="0" smtClean="0"/>
+              <a:t>можно только в реактивном-функциональном стиле.</a:t>
+            </a:r>
+          </a:p>
+          <a:p>
+            <a:pPr marL="0" indent="0">
+              <a:buNone/>
+            </a:pPr>
+            <a:endParaRPr lang="ru-RU" dirty="0" smtClean="0"/>
+          </a:p>
+          <a:p>
+            <a:pPr marL="0" indent="0">
+              <a:buNone/>
+            </a:pPr>
+            <a:r>
+              <a:rPr lang="ru-RU" dirty="0" smtClean="0">
+                <a:solidFill>
+                  <a:schemeClr val="tx1">
+                    <a:lumMod val="85000"/>
+                    <a:lumOff val="15000"/>
+                  </a:schemeClr>
+                </a:solidFill>
+              </a:rPr>
+              <a:t>- В чистом виде требует документации для понимания модели распространения данных (исходников мало). Но </a:t>
+            </a:r>
+            <a:r>
+              <a:rPr lang="en-US" dirty="0" smtClean="0">
+                <a:solidFill>
+                  <a:schemeClr val="tx1">
+                    <a:lumMod val="85000"/>
+                    <a:lumOff val="15000"/>
+                  </a:schemeClr>
+                </a:solidFill>
+              </a:rPr>
+              <a:t>flux </a:t>
+            </a:r>
+            <a:r>
+              <a:rPr lang="ru-RU" dirty="0" smtClean="0">
+                <a:solidFill>
+                  <a:schemeClr val="tx1">
+                    <a:lumMod val="85000"/>
+                    <a:lumOff val="15000"/>
+                  </a:schemeClr>
+                </a:solidFill>
+              </a:rPr>
+              <a:t>поможет с систематизацией потока данных.</a:t>
+            </a:r>
+          </a:p>
+        </p:txBody>
+      </p:sp>
+    </p:spTree>
+    <p:extLst>
+      <p:ext uri="{BB962C8B-B14F-4D97-AF65-F5344CB8AC3E}">
+        <p14:creationId xmlns:p14="http://schemas.microsoft.com/office/powerpoint/2010/main" val="1511430906"/>
+      </p:ext>
+    </p:extLst>
+  </p:cSld>
+  <p:clrMapOvr>
+    <a:masterClrMapping/>
+  </p:clrMapOvr>
+  <p:timing>
+    <p:tnLst>
+      <p:par>
+        <p:cTn id="1" dur="indefinite" restart="never" nodeType="tmRoot"/>
+      </p:par>
+    </p:tnLst>
+  </p:timing>
+</p:sld>
+</file>
+
+<file path=ppt/slides/slide59.xml><?xml version="1.0" encoding="utf-8"?>
 <p:sld xmlns:a="http://schemas.openxmlformats.org/drawingml/2006/main" xmlns:r="http://schemas.openxmlformats.org/officeDocument/2006/relationships" xmlns:p="http://schemas.openxmlformats.org/presentationml/2006/main">
   <p:cSld>
     <p:spTree>
@@ -13671,7 +14354,154 @@
 </p:sld>
 </file>
 
-<file path=ppt/slides/slide57.xml><?xml version="1.0" encoding="utf-8"?>
+<file path=ppt/slides/slide6.xml><?xml version="1.0" encoding="utf-8"?>
+<p:sld xmlns:a="http://schemas.openxmlformats.org/drawingml/2006/main" xmlns:r="http://schemas.openxmlformats.org/officeDocument/2006/relationships" xmlns:p="http://schemas.openxmlformats.org/presentationml/2006/main">
+  <p:cSld>
+    <p:spTree>
+      <p:nvGrpSpPr>
+        <p:cNvPr id="1" name=""/>
+        <p:cNvGrpSpPr/>
+        <p:nvPr/>
+      </p:nvGrpSpPr>
+      <p:grpSpPr>
+        <a:xfrm>
+          <a:off x="0" y="0"/>
+          <a:ext cx="0" cy="0"/>
+          <a:chOff x="0" y="0"/>
+          <a:chExt cx="0" cy="0"/>
+        </a:xfrm>
+      </p:grpSpPr>
+      <p:sp>
+        <p:nvSpPr>
+          <p:cNvPr id="4" name="Прямоугольник 3"/>
+          <p:cNvSpPr/>
+          <p:nvPr/>
+        </p:nvSpPr>
+        <p:spPr>
+          <a:xfrm>
+            <a:off x="323528" y="1484784"/>
+            <a:ext cx="8469560" cy="4401205"/>
+          </a:xfrm>
+          <a:prstGeom prst="rect">
+            <a:avLst/>
+          </a:prstGeom>
+        </p:spPr>
+        <p:txBody>
+          <a:bodyPr wrap="square">
+            <a:spAutoFit/>
+          </a:bodyPr>
+          <a:lstStyle/>
+          <a:p>
+            <a:r>
+              <a:rPr lang="ru-RU" sz="4000" dirty="0" smtClean="0"/>
+              <a:t>Может </a:t>
+            </a:r>
+            <a:r>
+              <a:rPr lang="en-US" sz="4000" dirty="0" err="1" smtClean="0"/>
+              <a:t>reactJS</a:t>
+            </a:r>
+            <a:r>
+              <a:rPr lang="en-US" sz="4000" dirty="0" smtClean="0"/>
+              <a:t> </a:t>
+            </a:r>
+            <a:r>
+              <a:rPr lang="ru-RU" sz="4000" dirty="0" smtClean="0"/>
+              <a:t>глянем?</a:t>
+            </a:r>
+          </a:p>
+          <a:p>
+            <a:endParaRPr lang="ru-RU" sz="4000" dirty="0" smtClean="0"/>
+          </a:p>
+          <a:p>
+            <a:r>
+              <a:rPr lang="ru-RU" sz="4000" dirty="0" smtClean="0"/>
+              <a:t>Нет! Не верю. Это не может работать. Да и полезность сомнительная.</a:t>
+            </a:r>
+          </a:p>
+          <a:p>
+            <a:endParaRPr lang="ru-RU" sz="4000" dirty="0">
+              <a:solidFill>
+                <a:srgbClr val="FF0000"/>
+              </a:solidFill>
+            </a:endParaRPr>
+          </a:p>
+          <a:p>
+            <a:r>
+              <a:rPr lang="ru-RU" sz="4000" dirty="0"/>
+              <a:t>Но вроде все простенько </a:t>
+            </a:r>
+            <a:r>
+              <a:rPr lang="ru-RU" sz="4000" dirty="0" smtClean="0"/>
+              <a:t>так</a:t>
+            </a:r>
+            <a:r>
+              <a:rPr lang="en-US" sz="4000" dirty="0" smtClean="0"/>
+              <a:t> </a:t>
+            </a:r>
+            <a:r>
+              <a:rPr lang="ru-RU" sz="4000" dirty="0" smtClean="0"/>
+              <a:t>и </a:t>
+            </a:r>
+            <a:r>
+              <a:rPr lang="ru-RU" sz="4000" dirty="0" err="1" smtClean="0"/>
+              <a:t>понятненько</a:t>
+            </a:r>
+            <a:r>
+              <a:rPr lang="ru-RU" sz="4000" dirty="0" smtClean="0"/>
+              <a:t>. </a:t>
+            </a:r>
+            <a:r>
+              <a:rPr lang="ru-RU" sz="4000" dirty="0"/>
+              <a:t>Дай попробую.</a:t>
+            </a:r>
+            <a:endParaRPr lang="en-US" sz="4000" dirty="0"/>
+          </a:p>
+        </p:txBody>
+      </p:sp>
+      <p:sp>
+        <p:nvSpPr>
+          <p:cNvPr id="3" name="Прямоугольник 2"/>
+          <p:cNvSpPr/>
+          <p:nvPr/>
+        </p:nvSpPr>
+        <p:spPr>
+          <a:xfrm>
+            <a:off x="300130" y="57053"/>
+            <a:ext cx="8208912" cy="830997"/>
+          </a:xfrm>
+          <a:prstGeom prst="rect">
+            <a:avLst/>
+          </a:prstGeom>
+        </p:spPr>
+        <p:txBody>
+          <a:bodyPr wrap="square">
+            <a:spAutoFit/>
+          </a:bodyPr>
+          <a:lstStyle/>
+          <a:p>
+            <a:pPr algn="ctr"/>
+            <a:r>
+              <a:rPr lang="ru-RU" sz="4800" dirty="0" smtClean="0"/>
+              <a:t>Торг</a:t>
+            </a:r>
+            <a:endParaRPr lang="en-US" sz="4800" dirty="0" smtClean="0"/>
+          </a:p>
+        </p:txBody>
+      </p:sp>
+    </p:spTree>
+    <p:extLst>
+      <p:ext uri="{BB962C8B-B14F-4D97-AF65-F5344CB8AC3E}">
+        <p14:creationId xmlns:p14="http://schemas.microsoft.com/office/powerpoint/2010/main" val="2814815484"/>
+      </p:ext>
+    </p:extLst>
+  </p:cSld>
+  <p:clrMapOvr>
+    <a:masterClrMapping/>
+  </p:clrMapOvr>
+</p:sld>
+</file>
+
+<file path=ppt/slides/slide60.xml><?xml version="1.0" encoding="utf-8"?>
 <p:sld xmlns:a="http://schemas.openxmlformats.org/drawingml/2006/main" xmlns:r="http://schemas.openxmlformats.org/officeDocument/2006/relationships" xmlns:p="http://schemas.openxmlformats.org/presentationml/2006/main">
   <p:cSld>
     <p:spTree>
@@ -13906,123 +14736,6 @@
 </p:sld>
 </file>
 
-<file path=ppt/slides/slide6.xml><?xml version="1.0" encoding="utf-8"?>
-<p:sld xmlns:a="http://schemas.openxmlformats.org/drawingml/2006/main" xmlns:r="http://schemas.openxmlformats.org/officeDocument/2006/relationships" xmlns:p="http://schemas.openxmlformats.org/presentationml/2006/main">
-  <p:cSld>
-    <p:spTree>
-      <p:nvGrpSpPr>
-        <p:cNvPr id="1" name=""/>
-        <p:cNvGrpSpPr/>
-        <p:nvPr/>
-      </p:nvGrpSpPr>
-      <p:grpSpPr>
-        <a:xfrm>
-          <a:off x="0" y="0"/>
-          <a:ext cx="0" cy="0"/>
-          <a:chOff x="0" y="0"/>
-          <a:chExt cx="0" cy="0"/>
-        </a:xfrm>
-      </p:grpSpPr>
-      <p:sp>
-        <p:nvSpPr>
-          <p:cNvPr id="4" name="Прямоугольник 3"/>
-          <p:cNvSpPr/>
-          <p:nvPr/>
-        </p:nvSpPr>
-        <p:spPr>
-          <a:xfrm>
-            <a:off x="323528" y="1268760"/>
-            <a:ext cx="8469560" cy="4401205"/>
-          </a:xfrm>
-          <a:prstGeom prst="rect">
-            <a:avLst/>
-          </a:prstGeom>
-        </p:spPr>
-        <p:txBody>
-          <a:bodyPr wrap="square">
-            <a:spAutoFit/>
-          </a:bodyPr>
-          <a:lstStyle/>
-          <a:p>
-            <a:r>
-              <a:rPr lang="ru-RU" sz="4000" dirty="0" smtClean="0"/>
-              <a:t>Может </a:t>
-            </a:r>
-            <a:r>
-              <a:rPr lang="en-US" sz="4000" dirty="0" err="1" smtClean="0"/>
-              <a:t>reactJS</a:t>
-            </a:r>
-            <a:r>
-              <a:rPr lang="en-US" sz="4000" dirty="0" smtClean="0"/>
-              <a:t> </a:t>
-            </a:r>
-            <a:r>
-              <a:rPr lang="ru-RU" sz="4000" dirty="0" smtClean="0"/>
-              <a:t>глянем?</a:t>
-            </a:r>
-          </a:p>
-          <a:p>
-            <a:endParaRPr lang="ru-RU" sz="4000" dirty="0" smtClean="0"/>
-          </a:p>
-          <a:p>
-            <a:r>
-              <a:rPr lang="ru-RU" sz="4000" dirty="0" smtClean="0"/>
-              <a:t>Нет! Не верю. Это не может работать. Да и полезность сомнительная.</a:t>
-            </a:r>
-          </a:p>
-          <a:p>
-            <a:endParaRPr lang="ru-RU" sz="4000" dirty="0">
-              <a:solidFill>
-                <a:srgbClr val="FF0000"/>
-              </a:solidFill>
-            </a:endParaRPr>
-          </a:p>
-          <a:p>
-            <a:r>
-              <a:rPr lang="ru-RU" sz="4000" dirty="0"/>
-              <a:t>Но вроде все простенько </a:t>
-            </a:r>
-            <a:r>
-              <a:rPr lang="ru-RU" sz="4000" dirty="0" smtClean="0"/>
-              <a:t>так</a:t>
-            </a:r>
-            <a:r>
-              <a:rPr lang="en-US" sz="4000" dirty="0" smtClean="0"/>
-              <a:t> </a:t>
-            </a:r>
-            <a:r>
-              <a:rPr lang="ru-RU" sz="4000" dirty="0" smtClean="0"/>
-              <a:t>и </a:t>
-            </a:r>
-            <a:r>
-              <a:rPr lang="ru-RU" sz="4000" dirty="0" err="1" smtClean="0"/>
-              <a:t>понятненько</a:t>
-            </a:r>
-            <a:r>
-              <a:rPr lang="ru-RU" sz="4000" dirty="0" smtClean="0"/>
-              <a:t>. </a:t>
-            </a:r>
-            <a:r>
-              <a:rPr lang="ru-RU" sz="4000" dirty="0"/>
-              <a:t>Дай попробую.</a:t>
-            </a:r>
-            <a:endParaRPr lang="en-US" sz="4000" dirty="0"/>
-          </a:p>
-        </p:txBody>
-      </p:sp>
-    </p:spTree>
-    <p:extLst>
-      <p:ext uri="{BB962C8B-B14F-4D97-AF65-F5344CB8AC3E}">
-        <p14:creationId xmlns:p14="http://schemas.microsoft.com/office/powerpoint/2010/main" val="2814815484"/>
-      </p:ext>
-    </p:extLst>
-  </p:cSld>
-  <p:clrMapOvr>
-    <a:masterClrMapping/>
-  </p:clrMapOvr>
-</p:sld>
-</file>
-
 <file path=ppt/slides/slide7.xml><?xml version="1.0" encoding="utf-8"?>
 <p:sld xmlns:a="http://schemas.openxmlformats.org/drawingml/2006/main" xmlns:r="http://schemas.openxmlformats.org/officeDocument/2006/relationships" xmlns:p="http://schemas.openxmlformats.org/presentationml/2006/main">
   <p:cSld>
@@ -14048,8 +14761,8 @@
         </p:nvSpPr>
         <p:spPr>
           <a:xfrm>
-            <a:off x="323528" y="476672"/>
-            <a:ext cx="8469560" cy="5632311"/>
+            <a:off x="323528" y="1268760"/>
+            <a:ext cx="8469560" cy="5016758"/>
           </a:xfrm>
           <a:prstGeom prst="rect">
             <a:avLst/>
@@ -14076,7 +14789,11 @@
           <a:p>
             <a:r>
               <a:rPr lang="ru-RU" sz="4000" dirty="0"/>
-              <a:t>Ха! Работает. И вроде не сложно и удобно.</a:t>
+              <a:t>Ха! Работает. И вроде не сложно и удобно</a:t>
+            </a:r>
+            <a:r>
+              <a:rPr lang="ru-RU" sz="4000" dirty="0" smtClean="0"/>
+              <a:t>.</a:t>
             </a:r>
           </a:p>
           <a:p>
@@ -14084,18 +14801,9 @@
           </a:p>
           <a:p>
             <a:r>
-              <a:rPr lang="ru-RU" sz="4000" dirty="0"/>
-              <a:t>И ощущение, как будто «бабочки в животе» </a:t>
-            </a:r>
-            <a:r>
-              <a:rPr lang="ru-RU" sz="4000" dirty="0">
-                <a:sym typeface="Wingdings" pitchFamily="2" charset="2"/>
-              </a:rPr>
-              <a:t></a:t>
-            </a:r>
-            <a:endParaRPr lang="ru-RU" sz="4000" dirty="0"/>
-          </a:p>
-          <a:p>
+              <a:rPr lang="ru-RU" sz="4000" dirty="0" smtClean="0"/>
+              <a:t>Нет ощущения, что кирпичи таскаешь</a:t>
+            </a:r>
             <a:endParaRPr lang="ru-RU" sz="4000" dirty="0">
               <a:solidFill>
                 <a:srgbClr val="FF0000"/>
@@ -14103,6 +14811,13 @@
             </a:endParaRPr>
           </a:p>
           <a:p>
+            <a:endParaRPr lang="ru-RU" sz="4000" dirty="0">
+              <a:solidFill>
+                <a:srgbClr val="FF0000"/>
+              </a:solidFill>
+            </a:endParaRPr>
+          </a:p>
+          <a:p>
             <a:r>
               <a:rPr lang="ru-RU" sz="4000" dirty="0"/>
               <a:t>Сделаем компонент побольше</a:t>
@@ -14111,6 +14826,42 @@
               <a:rPr lang="ru-RU" sz="4000" dirty="0" smtClean="0"/>
               <a:t>.</a:t>
             </a:r>
+          </a:p>
+        </p:txBody>
+      </p:sp>
+      <p:sp>
+        <p:nvSpPr>
+          <p:cNvPr id="3" name="Прямоугольник 2"/>
+          <p:cNvSpPr/>
+          <p:nvPr/>
+        </p:nvSpPr>
+        <p:spPr>
+          <a:xfrm>
+            <a:off x="300130" y="57053"/>
+            <a:ext cx="8208912" cy="830997"/>
+          </a:xfrm>
+          <a:prstGeom prst="rect">
+            <a:avLst/>
+          </a:prstGeom>
+        </p:spPr>
+        <p:txBody>
+          <a:bodyPr wrap="square">
+            <a:spAutoFit/>
+          </a:bodyPr>
+          <a:lstStyle/>
+          <a:p>
+            <a:pPr algn="ctr"/>
+            <a:r>
+              <a:rPr lang="ru-RU" sz="4800" dirty="0" smtClean="0"/>
+              <a:t>Депрессию пропускаем </a:t>
+            </a:r>
+            <a:r>
+              <a:rPr lang="ru-RU" sz="4800" dirty="0" smtClean="0">
+                <a:sym typeface="Wingdings" pitchFamily="2" charset="2"/>
+              </a:rPr>
+              <a:t></a:t>
+            </a:r>
+            <a:endParaRPr lang="en-US" sz="4800" dirty="0" smtClean="0"/>
           </a:p>
         </p:txBody>
       </p:sp>
@@ -14152,7 +14903,7 @@
         </p:nvSpPr>
         <p:spPr>
           <a:xfrm>
-            <a:off x="323528" y="692696"/>
+            <a:off x="323528" y="980728"/>
             <a:ext cx="8469560" cy="5632311"/>
           </a:xfrm>
           <a:prstGeom prst="rect">
@@ -14212,6 +14963,36 @@
               <a:rPr lang="ru-RU" sz="4000" dirty="0" smtClean="0"/>
               <a:t>Их много, ну да пока терпимо, подумаем потом.</a:t>
             </a:r>
+          </a:p>
+        </p:txBody>
+      </p:sp>
+      <p:sp>
+        <p:nvSpPr>
+          <p:cNvPr id="3" name="Прямоугольник 2"/>
+          <p:cNvSpPr/>
+          <p:nvPr/>
+        </p:nvSpPr>
+        <p:spPr>
+          <a:xfrm>
+            <a:off x="300130" y="57053"/>
+            <a:ext cx="8208912" cy="830997"/>
+          </a:xfrm>
+          <a:prstGeom prst="rect">
+            <a:avLst/>
+          </a:prstGeom>
+        </p:spPr>
+        <p:txBody>
+          <a:bodyPr wrap="square">
+            <a:spAutoFit/>
+          </a:bodyPr>
+          <a:lstStyle/>
+          <a:p>
+            <a:pPr algn="ctr"/>
+            <a:r>
+              <a:rPr lang="ru-RU" sz="4800" dirty="0" smtClean="0"/>
+              <a:t>Принятие</a:t>
+            </a:r>
+            <a:endParaRPr lang="en-US" sz="4800" dirty="0" smtClean="0"/>
           </a:p>
         </p:txBody>
       </p:sp>
@@ -14266,6 +15047,7 @@
           </a:bodyPr>
           <a:lstStyle/>
           <a:p>
+            <a:pPr algn="ctr"/>
             <a:r>
               <a:rPr lang="ru-RU" sz="4000" dirty="0" smtClean="0">
                 <a:solidFill>
@@ -14274,7 +15056,7 @@
                   </a:schemeClr>
                 </a:solidFill>
               </a:rPr>
-              <a:t>	Прошло пол года</a:t>
+              <a:t>Прошло пол года</a:t>
             </a:r>
           </a:p>
           <a:p>
@@ -14320,18 +15102,11 @@
             </a:r>
           </a:p>
           <a:p>
-            <a:r>
-              <a:rPr lang="ru-RU" sz="4000" dirty="0" smtClean="0"/>
-              <a:t>Куда смотрит </a:t>
-            </a:r>
-            <a:r>
-              <a:rPr lang="ru-RU" sz="4000" dirty="0" err="1" smtClean="0"/>
-              <a:t>кашперский</a:t>
-            </a:r>
-            <a:r>
-              <a:rPr lang="ru-RU" sz="4000" dirty="0" smtClean="0"/>
-              <a:t>?</a:t>
-            </a:r>
+            <a:endParaRPr lang="ru-RU" sz="4000" dirty="0" smtClean="0">
+              <a:solidFill>
+                <a:srgbClr val="FF0000"/>
+              </a:solidFill>
+            </a:endParaRPr>
           </a:p>
           <a:p>
             <a:r>
@@ -14340,52 +15115,19 @@
                   <a:srgbClr val="FF0000"/>
                 </a:solidFill>
               </a:rPr>
-              <a:t>Это ВИРУС!!!</a:t>
-            </a:r>
-          </a:p>
-        </p:txBody>
-      </p:sp>
-      <p:pic>
-        <p:nvPicPr>
-          <p:cNvPr id="2051" name="Picture 3" descr="C:\Users\nsmirnov\Documents\GitHub\flux_its_easy\pptx\src\cat.png"/>
-          <p:cNvPicPr>
-            <a:picLocks noChangeAspect="1" noChangeArrowheads="1"/>
-          </p:cNvPicPr>
-          <p:nvPr/>
-        </p:nvPicPr>
-        <p:blipFill>
-          <a:blip r:embed="rId2">
-            <a:extLst>
-              <a:ext uri="{28A0092B-C50C-407E-A947-70E740481C1C}">
-                <a14:useLocalDpi xmlns:a14="http://schemas.microsoft.com/office/drawing/2010/main" val="0"/>
-              </a:ext>
-            </a:extLst>
-          </a:blip>
-          <a:srcRect/>
-          <a:stretch>
-            <a:fillRect/>
-          </a:stretch>
-        </p:blipFill>
-        <p:spPr bwMode="auto">
-          <a:xfrm>
-            <a:off x="4159349" y="1084386"/>
-            <a:ext cx="4514850" cy="3019425"/>
-          </a:xfrm>
-          <a:prstGeom prst="rect">
-            <a:avLst/>
-          </a:prstGeom>
-          <a:noFill/>
-          <a:extLst>
-            <a:ext uri="{909E8E84-426E-40DD-AFC4-6F175D3DCCD1}">
-              <a14:hiddenFill xmlns:a14="http://schemas.microsoft.com/office/drawing/2010/main">
+              <a:t>Это </a:t>
+            </a:r>
+            <a:r>
+              <a:rPr lang="ru-RU" sz="4000" dirty="0" smtClean="0">
                 <a:solidFill>
-                  <a:srgbClr val="FFFFFF"/>
+                  <a:srgbClr val="FF0000"/>
                 </a:solidFill>
-              </a14:hiddenFill>
-            </a:ext>
-          </a:extLst>
-        </p:spPr>
-      </p:pic>
+              </a:rPr>
+              <a:t>ВИРУС!!!</a:t>
+            </a:r>
+          </a:p>
+        </p:txBody>
+      </p:sp>
     </p:spTree>
     <p:extLst>
       <p:ext uri="{BB962C8B-B14F-4D97-AF65-F5344CB8AC3E}">

--- a/pptx/Flux.pptx
+++ b/pptx/Flux.pptx
@@ -6133,7 +6133,11 @@
           <a:p>
             <a:r>
               <a:rPr lang="ru-RU" dirty="0" smtClean="0"/>
-              <a:t>О чем это?</a:t>
+              <a:t>Что это? Зачем это? </a:t>
+            </a:r>
+            <a:r>
+              <a:rPr lang="ru-RU" smtClean="0"/>
+              <a:t>Как это?</a:t>
             </a:r>
             <a:endParaRPr lang="ru-RU" dirty="0"/>
           </a:p>
